--- a/PMSClient/Resource/Files/pmshelp_en.pptx
+++ b/PMSClient/Resource/Files/pmshelp_en.pptx
@@ -2,7 +2,7 @@
 <file path=ppt/presentation.xml><?xml version="1.0" encoding="utf-8"?>
 <p:presentation xmlns:a="http://schemas.openxmlformats.org/drawingml/2006/main" xmlns:r="http://schemas.openxmlformats.org/officeDocument/2006/relationships" xmlns:p="http://schemas.openxmlformats.org/presentationml/2006/main" saveSubsetFonts="1">
   <p:sldMasterIdLst>
-    <p:sldMasterId id="2147483648" r:id="rId1"/>
+    <p:sldMasterId id="2147483768" r:id="rId1"/>
   </p:sldMasterIdLst>
   <p:sldIdLst>
     <p:sldId id="256" r:id="rId2"/>
@@ -10,13 +10,15 @@
     <p:sldId id="258" r:id="rId4"/>
     <p:sldId id="259" r:id="rId5"/>
     <p:sldId id="261" r:id="rId6"/>
-    <p:sldId id="263" r:id="rId7"/>
-    <p:sldId id="260" r:id="rId8"/>
-    <p:sldId id="266" r:id="rId9"/>
-    <p:sldId id="264" r:id="rId10"/>
+    <p:sldId id="260" r:id="rId7"/>
+    <p:sldId id="269" r:id="rId8"/>
+    <p:sldId id="263" r:id="rId9"/>
+    <p:sldId id="267" r:id="rId10"/>
     <p:sldId id="265" r:id="rId11"/>
-    <p:sldId id="267" r:id="rId12"/>
-    <p:sldId id="262" r:id="rId13"/>
+    <p:sldId id="264" r:id="rId12"/>
+    <p:sldId id="266" r:id="rId13"/>
+    <p:sldId id="268" r:id="rId14"/>
+    <p:sldId id="262" r:id="rId15"/>
   </p:sldIdLst>
   <p:sldSz cx="9144000" cy="6858000" type="screen4x3"/>
   <p:notesSz cx="6858000" cy="9144000"/>
@@ -117,7 +119,7 @@
   </p:defaultTextStyle>
   <p:extLst>
     <p:ext uri="{EFAFB233-063F-42B5-8137-9DF3F51BA10A}">
-      <p15:sldGuideLst xmlns:p15="http://schemas.microsoft.com/office/powerpoint/2012/main">
+      <p15:sldGuideLst xmlns:p15="http://schemas.microsoft.com/office/powerpoint/2012/main" xmlns="">
         <p15:guide id="1" orient="horz" pos="2160">
           <p15:clr>
             <a:srgbClr val="A4A3A4"/>
@@ -132,10 +134,6 @@
     </p:ext>
   </p:extLst>
 </p:presentation>
-</file>
-
-<file path=ppt/revisionInfo.xml><?xml version="1.0" encoding="utf-8"?>
-<p1510:revInfo xmlns:a="http://schemas.openxmlformats.org/drawingml/2006/main" xmlns:r="http://schemas.openxmlformats.org/officeDocument/2006/relationships" xmlns:p1510="http://schemas.microsoft.com/office/powerpoint/2015/10/main"/>
 </file>
 
 <file path=ppt/slideLayouts/slideLayout1.xml><?xml version="1.0" encoding="utf-8"?>
@@ -176,9 +174,10 @@
           <a:lstStyle/>
           <a:p>
             <a:r>
-              <a:rPr lang="zh-CN" altLang="en-US"/>
+              <a:rPr lang="zh-CN" altLang="en-US" smtClean="0"/>
               <a:t>单击此处编辑母版标题样式</a:t>
             </a:r>
+            <a:endParaRPr lang="zh-CN" altLang="en-US"/>
           </a:p>
         </p:txBody>
       </p:sp>
@@ -294,9 +293,10 @@
           </a:lstStyle>
           <a:p>
             <a:r>
-              <a:rPr lang="zh-CN" altLang="en-US"/>
+              <a:rPr lang="zh-CN" altLang="en-US" smtClean="0"/>
               <a:t>单击此处编辑母版副标题样式</a:t>
             </a:r>
+            <a:endParaRPr lang="zh-CN" altLang="en-US"/>
           </a:p>
         </p:txBody>
       </p:sp>
@@ -408,9 +408,10 @@
           <a:lstStyle/>
           <a:p>
             <a:r>
-              <a:rPr lang="zh-CN" altLang="en-US"/>
+              <a:rPr lang="zh-CN" altLang="en-US" smtClean="0"/>
               <a:t>单击此处编辑母版标题样式</a:t>
             </a:r>
+            <a:endParaRPr lang="zh-CN" altLang="en-US"/>
           </a:p>
         </p:txBody>
       </p:sp>
@@ -431,37 +432,38 @@
           <a:p>
             <a:pPr lvl="0"/>
             <a:r>
-              <a:rPr lang="zh-CN" altLang="en-US"/>
+              <a:rPr lang="zh-CN" altLang="en-US" smtClean="0"/>
               <a:t>单击此处编辑母版文本样式</a:t>
             </a:r>
           </a:p>
           <a:p>
             <a:pPr lvl="1"/>
             <a:r>
-              <a:rPr lang="zh-CN" altLang="en-US"/>
+              <a:rPr lang="zh-CN" altLang="en-US" smtClean="0"/>
               <a:t>第二级</a:t>
             </a:r>
           </a:p>
           <a:p>
             <a:pPr lvl="2"/>
             <a:r>
-              <a:rPr lang="zh-CN" altLang="en-US"/>
+              <a:rPr lang="zh-CN" altLang="en-US" smtClean="0"/>
               <a:t>第三级</a:t>
             </a:r>
           </a:p>
           <a:p>
             <a:pPr lvl="3"/>
             <a:r>
-              <a:rPr lang="zh-CN" altLang="en-US"/>
+              <a:rPr lang="zh-CN" altLang="en-US" smtClean="0"/>
               <a:t>第四级</a:t>
             </a:r>
           </a:p>
           <a:p>
             <a:pPr lvl="4"/>
             <a:r>
-              <a:rPr lang="zh-CN" altLang="en-US"/>
+              <a:rPr lang="zh-CN" altLang="en-US" smtClean="0"/>
               <a:t>第五级</a:t>
             </a:r>
+            <a:endParaRPr lang="zh-CN" altLang="en-US"/>
           </a:p>
         </p:txBody>
       </p:sp>
@@ -578,9 +580,10 @@
           <a:lstStyle/>
           <a:p>
             <a:r>
-              <a:rPr lang="zh-CN" altLang="en-US"/>
+              <a:rPr lang="zh-CN" altLang="en-US" smtClean="0"/>
               <a:t>单击此处编辑母版标题样式</a:t>
             </a:r>
+            <a:endParaRPr lang="zh-CN" altLang="en-US"/>
           </a:p>
         </p:txBody>
       </p:sp>
@@ -606,37 +609,38 @@
           <a:p>
             <a:pPr lvl="0"/>
             <a:r>
-              <a:rPr lang="zh-CN" altLang="en-US"/>
+              <a:rPr lang="zh-CN" altLang="en-US" smtClean="0"/>
               <a:t>单击此处编辑母版文本样式</a:t>
             </a:r>
           </a:p>
           <a:p>
             <a:pPr lvl="1"/>
             <a:r>
-              <a:rPr lang="zh-CN" altLang="en-US"/>
+              <a:rPr lang="zh-CN" altLang="en-US" smtClean="0"/>
               <a:t>第二级</a:t>
             </a:r>
           </a:p>
           <a:p>
             <a:pPr lvl="2"/>
             <a:r>
-              <a:rPr lang="zh-CN" altLang="en-US"/>
+              <a:rPr lang="zh-CN" altLang="en-US" smtClean="0"/>
               <a:t>第三级</a:t>
             </a:r>
           </a:p>
           <a:p>
             <a:pPr lvl="3"/>
             <a:r>
-              <a:rPr lang="zh-CN" altLang="en-US"/>
+              <a:rPr lang="zh-CN" altLang="en-US" smtClean="0"/>
               <a:t>第四级</a:t>
             </a:r>
           </a:p>
           <a:p>
             <a:pPr lvl="4"/>
             <a:r>
-              <a:rPr lang="zh-CN" altLang="en-US"/>
+              <a:rPr lang="zh-CN" altLang="en-US" smtClean="0"/>
               <a:t>第五级</a:t>
             </a:r>
+            <a:endParaRPr lang="zh-CN" altLang="en-US"/>
           </a:p>
         </p:txBody>
       </p:sp>
@@ -748,9 +752,10 @@
           <a:lstStyle/>
           <a:p>
             <a:r>
-              <a:rPr lang="zh-CN" altLang="en-US"/>
+              <a:rPr lang="zh-CN" altLang="en-US" smtClean="0"/>
               <a:t>单击此处编辑母版标题样式</a:t>
             </a:r>
+            <a:endParaRPr lang="zh-CN" altLang="en-US"/>
           </a:p>
         </p:txBody>
       </p:sp>
@@ -771,37 +776,38 @@
           <a:p>
             <a:pPr lvl="0"/>
             <a:r>
-              <a:rPr lang="zh-CN" altLang="en-US"/>
+              <a:rPr lang="zh-CN" altLang="en-US" smtClean="0"/>
               <a:t>单击此处编辑母版文本样式</a:t>
             </a:r>
           </a:p>
           <a:p>
             <a:pPr lvl="1"/>
             <a:r>
-              <a:rPr lang="zh-CN" altLang="en-US"/>
+              <a:rPr lang="zh-CN" altLang="en-US" smtClean="0"/>
               <a:t>第二级</a:t>
             </a:r>
           </a:p>
           <a:p>
             <a:pPr lvl="2"/>
             <a:r>
-              <a:rPr lang="zh-CN" altLang="en-US"/>
+              <a:rPr lang="zh-CN" altLang="en-US" smtClean="0"/>
               <a:t>第三级</a:t>
             </a:r>
           </a:p>
           <a:p>
             <a:pPr lvl="3"/>
             <a:r>
-              <a:rPr lang="zh-CN" altLang="en-US"/>
+              <a:rPr lang="zh-CN" altLang="en-US" smtClean="0"/>
               <a:t>第四级</a:t>
             </a:r>
           </a:p>
           <a:p>
             <a:pPr lvl="4"/>
             <a:r>
-              <a:rPr lang="zh-CN" altLang="en-US"/>
+              <a:rPr lang="zh-CN" altLang="en-US" smtClean="0"/>
               <a:t>第五级</a:t>
             </a:r>
+            <a:endParaRPr lang="zh-CN" altLang="en-US"/>
           </a:p>
         </p:txBody>
       </p:sp>
@@ -922,9 +928,10 @@
           </a:lstStyle>
           <a:p>
             <a:r>
-              <a:rPr lang="zh-CN" altLang="en-US"/>
+              <a:rPr lang="zh-CN" altLang="en-US" smtClean="0"/>
               <a:t>单击此处编辑母版标题样式</a:t>
             </a:r>
+            <a:endParaRPr lang="zh-CN" altLang="en-US"/>
           </a:p>
         </p:txBody>
       </p:sp>
@@ -1041,7 +1048,7 @@
           <a:p>
             <a:pPr lvl="0"/>
             <a:r>
-              <a:rPr lang="zh-CN" altLang="en-US"/>
+              <a:rPr lang="zh-CN" altLang="en-US" smtClean="0"/>
               <a:t>单击此处编辑母版文本样式</a:t>
             </a:r>
           </a:p>
@@ -1155,9 +1162,10 @@
           <a:lstStyle/>
           <a:p>
             <a:r>
-              <a:rPr lang="zh-CN" altLang="en-US"/>
+              <a:rPr lang="zh-CN" altLang="en-US" smtClean="0"/>
               <a:t>单击此处编辑母版标题样式</a:t>
             </a:r>
+            <a:endParaRPr lang="zh-CN" altLang="en-US"/>
           </a:p>
         </p:txBody>
       </p:sp>
@@ -1211,37 +1219,38 @@
           <a:p>
             <a:pPr lvl="0"/>
             <a:r>
-              <a:rPr lang="zh-CN" altLang="en-US"/>
+              <a:rPr lang="zh-CN" altLang="en-US" smtClean="0"/>
               <a:t>单击此处编辑母版文本样式</a:t>
             </a:r>
           </a:p>
           <a:p>
             <a:pPr lvl="1"/>
             <a:r>
-              <a:rPr lang="zh-CN" altLang="en-US"/>
+              <a:rPr lang="zh-CN" altLang="en-US" smtClean="0"/>
               <a:t>第二级</a:t>
             </a:r>
           </a:p>
           <a:p>
             <a:pPr lvl="2"/>
             <a:r>
-              <a:rPr lang="zh-CN" altLang="en-US"/>
+              <a:rPr lang="zh-CN" altLang="en-US" smtClean="0"/>
               <a:t>第三级</a:t>
             </a:r>
           </a:p>
           <a:p>
             <a:pPr lvl="3"/>
             <a:r>
-              <a:rPr lang="zh-CN" altLang="en-US"/>
+              <a:rPr lang="zh-CN" altLang="en-US" smtClean="0"/>
               <a:t>第四级</a:t>
             </a:r>
           </a:p>
           <a:p>
             <a:pPr lvl="4"/>
             <a:r>
-              <a:rPr lang="zh-CN" altLang="en-US"/>
+              <a:rPr lang="zh-CN" altLang="en-US" smtClean="0"/>
               <a:t>第五级</a:t>
             </a:r>
+            <a:endParaRPr lang="zh-CN" altLang="en-US"/>
           </a:p>
         </p:txBody>
       </p:sp>
@@ -1295,37 +1304,38 @@
           <a:p>
             <a:pPr lvl="0"/>
             <a:r>
-              <a:rPr lang="zh-CN" altLang="en-US"/>
+              <a:rPr lang="zh-CN" altLang="en-US" smtClean="0"/>
               <a:t>单击此处编辑母版文本样式</a:t>
             </a:r>
           </a:p>
           <a:p>
             <a:pPr lvl="1"/>
             <a:r>
-              <a:rPr lang="zh-CN" altLang="en-US"/>
+              <a:rPr lang="zh-CN" altLang="en-US" smtClean="0"/>
               <a:t>第二级</a:t>
             </a:r>
           </a:p>
           <a:p>
             <a:pPr lvl="2"/>
             <a:r>
-              <a:rPr lang="zh-CN" altLang="en-US"/>
+              <a:rPr lang="zh-CN" altLang="en-US" smtClean="0"/>
               <a:t>第三级</a:t>
             </a:r>
           </a:p>
           <a:p>
             <a:pPr lvl="3"/>
             <a:r>
-              <a:rPr lang="zh-CN" altLang="en-US"/>
+              <a:rPr lang="zh-CN" altLang="en-US" smtClean="0"/>
               <a:t>第四级</a:t>
             </a:r>
           </a:p>
           <a:p>
             <a:pPr lvl="4"/>
             <a:r>
-              <a:rPr lang="zh-CN" altLang="en-US"/>
+              <a:rPr lang="zh-CN" altLang="en-US" smtClean="0"/>
               <a:t>第五级</a:t>
             </a:r>
+            <a:endParaRPr lang="zh-CN" altLang="en-US"/>
           </a:p>
         </p:txBody>
       </p:sp>
@@ -1441,9 +1451,10 @@
           </a:lstStyle>
           <a:p>
             <a:r>
-              <a:rPr lang="zh-CN" altLang="en-US"/>
+              <a:rPr lang="zh-CN" altLang="en-US" smtClean="0"/>
               <a:t>单击此处编辑母版标题样式</a:t>
             </a:r>
+            <a:endParaRPr lang="zh-CN" altLang="en-US"/>
           </a:p>
         </p:txBody>
       </p:sp>
@@ -1506,7 +1517,7 @@
           <a:p>
             <a:pPr lvl="0"/>
             <a:r>
-              <a:rPr lang="zh-CN" altLang="en-US"/>
+              <a:rPr lang="zh-CN" altLang="en-US" smtClean="0"/>
               <a:t>单击此处编辑母版文本样式</a:t>
             </a:r>
           </a:p>
@@ -1562,37 +1573,38 @@
           <a:p>
             <a:pPr lvl="0"/>
             <a:r>
-              <a:rPr lang="zh-CN" altLang="en-US"/>
+              <a:rPr lang="zh-CN" altLang="en-US" smtClean="0"/>
               <a:t>单击此处编辑母版文本样式</a:t>
             </a:r>
           </a:p>
           <a:p>
             <a:pPr lvl="1"/>
             <a:r>
-              <a:rPr lang="zh-CN" altLang="en-US"/>
+              <a:rPr lang="zh-CN" altLang="en-US" smtClean="0"/>
               <a:t>第二级</a:t>
             </a:r>
           </a:p>
           <a:p>
             <a:pPr lvl="2"/>
             <a:r>
-              <a:rPr lang="zh-CN" altLang="en-US"/>
+              <a:rPr lang="zh-CN" altLang="en-US" smtClean="0"/>
               <a:t>第三级</a:t>
             </a:r>
           </a:p>
           <a:p>
             <a:pPr lvl="3"/>
             <a:r>
-              <a:rPr lang="zh-CN" altLang="en-US"/>
+              <a:rPr lang="zh-CN" altLang="en-US" smtClean="0"/>
               <a:t>第四级</a:t>
             </a:r>
           </a:p>
           <a:p>
             <a:pPr lvl="4"/>
             <a:r>
-              <a:rPr lang="zh-CN" altLang="en-US"/>
+              <a:rPr lang="zh-CN" altLang="en-US" smtClean="0"/>
               <a:t>第五级</a:t>
             </a:r>
+            <a:endParaRPr lang="zh-CN" altLang="en-US"/>
           </a:p>
         </p:txBody>
       </p:sp>
@@ -1655,7 +1667,7 @@
           <a:p>
             <a:pPr lvl="0"/>
             <a:r>
-              <a:rPr lang="zh-CN" altLang="en-US"/>
+              <a:rPr lang="zh-CN" altLang="en-US" smtClean="0"/>
               <a:t>单击此处编辑母版文本样式</a:t>
             </a:r>
           </a:p>
@@ -1711,37 +1723,38 @@
           <a:p>
             <a:pPr lvl="0"/>
             <a:r>
-              <a:rPr lang="zh-CN" altLang="en-US"/>
+              <a:rPr lang="zh-CN" altLang="en-US" smtClean="0"/>
               <a:t>单击此处编辑母版文本样式</a:t>
             </a:r>
           </a:p>
           <a:p>
             <a:pPr lvl="1"/>
             <a:r>
-              <a:rPr lang="zh-CN" altLang="en-US"/>
+              <a:rPr lang="zh-CN" altLang="en-US" smtClean="0"/>
               <a:t>第二级</a:t>
             </a:r>
           </a:p>
           <a:p>
             <a:pPr lvl="2"/>
             <a:r>
-              <a:rPr lang="zh-CN" altLang="en-US"/>
+              <a:rPr lang="zh-CN" altLang="en-US" smtClean="0"/>
               <a:t>第三级</a:t>
             </a:r>
           </a:p>
           <a:p>
             <a:pPr lvl="3"/>
             <a:r>
-              <a:rPr lang="zh-CN" altLang="en-US"/>
+              <a:rPr lang="zh-CN" altLang="en-US" smtClean="0"/>
               <a:t>第四级</a:t>
             </a:r>
           </a:p>
           <a:p>
             <a:pPr lvl="4"/>
             <a:r>
-              <a:rPr lang="zh-CN" altLang="en-US"/>
+              <a:rPr lang="zh-CN" altLang="en-US" smtClean="0"/>
               <a:t>第五级</a:t>
             </a:r>
+            <a:endParaRPr lang="zh-CN" altLang="en-US"/>
           </a:p>
         </p:txBody>
       </p:sp>
@@ -1853,9 +1866,10 @@
           <a:lstStyle/>
           <a:p>
             <a:r>
-              <a:rPr lang="zh-CN" altLang="en-US"/>
+              <a:rPr lang="zh-CN" altLang="en-US" smtClean="0"/>
               <a:t>单击此处编辑母版标题样式</a:t>
             </a:r>
+            <a:endParaRPr lang="zh-CN" altLang="en-US"/>
           </a:p>
         </p:txBody>
       </p:sp>
@@ -2068,9 +2082,10 @@
           </a:lstStyle>
           <a:p>
             <a:r>
-              <a:rPr lang="zh-CN" altLang="en-US"/>
+              <a:rPr lang="zh-CN" altLang="en-US" smtClean="0"/>
               <a:t>单击此处编辑母版标题样式</a:t>
             </a:r>
+            <a:endParaRPr lang="zh-CN" altLang="en-US"/>
           </a:p>
         </p:txBody>
       </p:sp>
@@ -2124,37 +2139,38 @@
           <a:p>
             <a:pPr lvl="0"/>
             <a:r>
-              <a:rPr lang="zh-CN" altLang="en-US"/>
+              <a:rPr lang="zh-CN" altLang="en-US" smtClean="0"/>
               <a:t>单击此处编辑母版文本样式</a:t>
             </a:r>
           </a:p>
           <a:p>
             <a:pPr lvl="1"/>
             <a:r>
-              <a:rPr lang="zh-CN" altLang="en-US"/>
+              <a:rPr lang="zh-CN" altLang="en-US" smtClean="0"/>
               <a:t>第二级</a:t>
             </a:r>
           </a:p>
           <a:p>
             <a:pPr lvl="2"/>
             <a:r>
-              <a:rPr lang="zh-CN" altLang="en-US"/>
+              <a:rPr lang="zh-CN" altLang="en-US" smtClean="0"/>
               <a:t>第三级</a:t>
             </a:r>
           </a:p>
           <a:p>
             <a:pPr lvl="3"/>
             <a:r>
-              <a:rPr lang="zh-CN" altLang="en-US"/>
+              <a:rPr lang="zh-CN" altLang="en-US" smtClean="0"/>
               <a:t>第四级</a:t>
             </a:r>
           </a:p>
           <a:p>
             <a:pPr lvl="4"/>
             <a:r>
-              <a:rPr lang="zh-CN" altLang="en-US"/>
+              <a:rPr lang="zh-CN" altLang="en-US" smtClean="0"/>
               <a:t>第五级</a:t>
             </a:r>
+            <a:endParaRPr lang="zh-CN" altLang="en-US"/>
           </a:p>
         </p:txBody>
       </p:sp>
@@ -2217,7 +2233,7 @@
           <a:p>
             <a:pPr lvl="0"/>
             <a:r>
-              <a:rPr lang="zh-CN" altLang="en-US"/>
+              <a:rPr lang="zh-CN" altLang="en-US" smtClean="0"/>
               <a:t>单击此处编辑母版文本样式</a:t>
             </a:r>
           </a:p>
@@ -2340,9 +2356,10 @@
           </a:lstStyle>
           <a:p>
             <a:r>
-              <a:rPr lang="zh-CN" altLang="en-US"/>
+              <a:rPr lang="zh-CN" altLang="en-US" smtClean="0"/>
               <a:t>单击此处编辑母版标题样式</a:t>
             </a:r>
+            <a:endParaRPr lang="zh-CN" altLang="en-US"/>
           </a:p>
         </p:txBody>
       </p:sp>
@@ -2466,7 +2483,7 @@
           <a:p>
             <a:pPr lvl="0"/>
             <a:r>
-              <a:rPr lang="zh-CN" altLang="en-US"/>
+              <a:rPr lang="zh-CN" altLang="en-US" smtClean="0"/>
               <a:t>单击此处编辑母版文本样式</a:t>
             </a:r>
           </a:p>
@@ -2552,7 +2569,7 @@
   <p:cSld>
     <p:bg>
       <p:bgRef idx="1001">
-        <a:schemeClr val="bg1"/>
+        <a:schemeClr val="bg2"/>
       </p:bgRef>
     </p:bg>
     <p:spTree>
@@ -2595,9 +2612,10 @@
           <a:lstStyle/>
           <a:p>
             <a:r>
-              <a:rPr lang="zh-CN" altLang="en-US"/>
+              <a:rPr lang="zh-CN" altLang="en-US" dirty="0" smtClean="0"/>
               <a:t>单击此处编辑母版标题样式</a:t>
             </a:r>
+            <a:endParaRPr lang="zh-CN" altLang="en-US" dirty="0"/>
           </a:p>
         </p:txBody>
       </p:sp>
@@ -2628,37 +2646,38 @@
           <a:p>
             <a:pPr lvl="0"/>
             <a:r>
-              <a:rPr lang="zh-CN" altLang="en-US"/>
+              <a:rPr lang="zh-CN" altLang="en-US" dirty="0" smtClean="0"/>
               <a:t>单击此处编辑母版文本样式</a:t>
             </a:r>
           </a:p>
           <a:p>
             <a:pPr lvl="1"/>
             <a:r>
-              <a:rPr lang="zh-CN" altLang="en-US"/>
+              <a:rPr lang="zh-CN" altLang="en-US" dirty="0" smtClean="0"/>
               <a:t>第二级</a:t>
             </a:r>
           </a:p>
           <a:p>
             <a:pPr lvl="2"/>
             <a:r>
-              <a:rPr lang="zh-CN" altLang="en-US"/>
+              <a:rPr lang="zh-CN" altLang="en-US" dirty="0" smtClean="0"/>
               <a:t>第三级</a:t>
             </a:r>
           </a:p>
           <a:p>
             <a:pPr lvl="3"/>
             <a:r>
-              <a:rPr lang="zh-CN" altLang="en-US"/>
+              <a:rPr lang="zh-CN" altLang="en-US" dirty="0" smtClean="0"/>
               <a:t>第四级</a:t>
             </a:r>
           </a:p>
           <a:p>
             <a:pPr lvl="4"/>
             <a:r>
-              <a:rPr lang="zh-CN" altLang="en-US"/>
+              <a:rPr lang="zh-CN" altLang="en-US" dirty="0" smtClean="0"/>
               <a:t>第五级</a:t>
             </a:r>
+            <a:endParaRPr lang="zh-CN" altLang="en-US" dirty="0"/>
           </a:p>
         </p:txBody>
       </p:sp>
@@ -2691,6 +2710,7 @@
                     <a:tint val="75000"/>
                   </a:schemeClr>
                 </a:solidFill>
+                <a:ea typeface="等线" pitchFamily="2" charset="-122"/>
               </a:defRPr>
             </a:lvl1pPr>
           </a:lstStyle>
@@ -2700,7 +2720,7 @@
               <a:pPr/>
               <a:t>2017/5/18</a:t>
             </a:fld>
-            <a:endParaRPr lang="zh-CN" altLang="en-US"/>
+            <a:endParaRPr lang="zh-CN" altLang="en-US" dirty="0"/>
           </a:p>
         </p:txBody>
       </p:sp>
@@ -2733,11 +2753,12 @@
                     <a:tint val="75000"/>
                   </a:schemeClr>
                 </a:solidFill>
+                <a:ea typeface="等线" pitchFamily="2" charset="-122"/>
               </a:defRPr>
             </a:lvl1pPr>
           </a:lstStyle>
           <a:p>
-            <a:endParaRPr lang="zh-CN" altLang="en-US"/>
+            <a:endParaRPr lang="zh-CN" altLang="en-US" dirty="0"/>
           </a:p>
         </p:txBody>
       </p:sp>
@@ -2770,6 +2791,7 @@
                     <a:tint val="75000"/>
                   </a:schemeClr>
                 </a:solidFill>
+                <a:ea typeface="等线" pitchFamily="2" charset="-122"/>
               </a:defRPr>
             </a:lvl1pPr>
           </a:lstStyle>
@@ -2779,7 +2801,7 @@
               <a:pPr/>
               <a:t>‹#›</a:t>
             </a:fld>
-            <a:endParaRPr lang="zh-CN" altLang="en-US"/>
+            <a:endParaRPr lang="zh-CN" altLang="en-US" dirty="0"/>
           </a:p>
         </p:txBody>
       </p:sp>
@@ -2787,17 +2809,17 @@
   </p:cSld>
   <p:clrMap bg1="lt1" tx1="dk1" bg2="lt2" tx2="dk2" accent1="accent1" accent2="accent2" accent3="accent3" accent4="accent4" accent5="accent5" accent6="accent6" hlink="hlink" folHlink="folHlink"/>
   <p:sldLayoutIdLst>
-    <p:sldLayoutId id="2147483649" r:id="rId1"/>
-    <p:sldLayoutId id="2147483650" r:id="rId2"/>
-    <p:sldLayoutId id="2147483651" r:id="rId3"/>
-    <p:sldLayoutId id="2147483652" r:id="rId4"/>
-    <p:sldLayoutId id="2147483653" r:id="rId5"/>
-    <p:sldLayoutId id="2147483654" r:id="rId6"/>
-    <p:sldLayoutId id="2147483655" r:id="rId7"/>
-    <p:sldLayoutId id="2147483656" r:id="rId8"/>
-    <p:sldLayoutId id="2147483657" r:id="rId9"/>
-    <p:sldLayoutId id="2147483658" r:id="rId10"/>
-    <p:sldLayoutId id="2147483659" r:id="rId11"/>
+    <p:sldLayoutId id="2147483769" r:id="rId1"/>
+    <p:sldLayoutId id="2147483770" r:id="rId2"/>
+    <p:sldLayoutId id="2147483771" r:id="rId3"/>
+    <p:sldLayoutId id="2147483772" r:id="rId4"/>
+    <p:sldLayoutId id="2147483773" r:id="rId5"/>
+    <p:sldLayoutId id="2147483774" r:id="rId6"/>
+    <p:sldLayoutId id="2147483775" r:id="rId7"/>
+    <p:sldLayoutId id="2147483776" r:id="rId8"/>
+    <p:sldLayoutId id="2147483777" r:id="rId9"/>
+    <p:sldLayoutId id="2147483778" r:id="rId10"/>
+    <p:sldLayoutId id="2147483779" r:id="rId11"/>
   </p:sldLayoutIdLst>
   <p:txStyles>
     <p:titleStyle>
@@ -2811,7 +2833,7 @@
             <a:schemeClr val="tx1"/>
           </a:solidFill>
           <a:latin typeface="+mj-lt"/>
-          <a:ea typeface="+mj-ea"/>
+          <a:ea typeface="等线" pitchFamily="2" charset="-122"/>
           <a:cs typeface="+mj-cs"/>
         </a:defRPr>
       </a:lvl1pPr>
@@ -2828,7 +2850,7 @@
             <a:schemeClr val="tx1"/>
           </a:solidFill>
           <a:latin typeface="+mn-lt"/>
-          <a:ea typeface="+mn-ea"/>
+          <a:ea typeface="等线" pitchFamily="2" charset="-122"/>
           <a:cs typeface="+mn-cs"/>
         </a:defRPr>
       </a:lvl1pPr>
@@ -2843,7 +2865,7 @@
             <a:schemeClr val="tx1"/>
           </a:solidFill>
           <a:latin typeface="+mn-lt"/>
-          <a:ea typeface="+mn-ea"/>
+          <a:ea typeface="等线" pitchFamily="2" charset="-122"/>
           <a:cs typeface="+mn-cs"/>
         </a:defRPr>
       </a:lvl2pPr>
@@ -2858,7 +2880,7 @@
             <a:schemeClr val="tx1"/>
           </a:solidFill>
           <a:latin typeface="+mn-lt"/>
-          <a:ea typeface="+mn-ea"/>
+          <a:ea typeface="等线" pitchFamily="2" charset="-122"/>
           <a:cs typeface="+mn-cs"/>
         </a:defRPr>
       </a:lvl3pPr>
@@ -2873,7 +2895,7 @@
             <a:schemeClr val="tx1"/>
           </a:solidFill>
           <a:latin typeface="+mn-lt"/>
-          <a:ea typeface="+mn-ea"/>
+          <a:ea typeface="等线" pitchFamily="2" charset="-122"/>
           <a:cs typeface="+mn-cs"/>
         </a:defRPr>
       </a:lvl4pPr>
@@ -2888,7 +2910,7 @@
             <a:schemeClr val="tx1"/>
           </a:solidFill>
           <a:latin typeface="+mn-lt"/>
-          <a:ea typeface="+mn-ea"/>
+          <a:ea typeface="等线" pitchFamily="2" charset="-122"/>
           <a:cs typeface="+mn-cs"/>
         </a:defRPr>
       </a:lvl5pPr>
@@ -3085,10 +3107,16 @@
           <a:lstStyle/>
           <a:p>
             <a:r>
-              <a:rPr lang="en-US" altLang="zh-CN" dirty="0"/>
-              <a:t>Production Management System</a:t>
-            </a:r>
-            <a:endParaRPr lang="zh-CN" altLang="en-US" dirty="0"/>
+              <a:rPr lang="en-US" altLang="zh-CN" dirty="0" smtClean="0">
+                <a:latin typeface="等线" pitchFamily="2" charset="-122"/>
+                <a:ea typeface="等线" pitchFamily="2" charset="-122"/>
+              </a:rPr>
+              <a:t>Introduction of Product Management System</a:t>
+            </a:r>
+            <a:endParaRPr lang="zh-CN" altLang="en-US" dirty="0">
+              <a:latin typeface="等线" pitchFamily="2" charset="-122"/>
+              <a:ea typeface="等线" pitchFamily="2" charset="-122"/>
+            </a:endParaRPr>
           </a:p>
         </p:txBody>
       </p:sp>
@@ -3107,7 +3135,29 @@
           <a:bodyPr/>
           <a:lstStyle/>
           <a:p>
-            <a:endParaRPr lang="zh-CN" altLang="en-US"/>
+            <a:r>
+              <a:rPr lang="en-US" altLang="zh-CN" dirty="0" err="1" smtClean="0">
+                <a:latin typeface="等线" pitchFamily="2" charset="-122"/>
+                <a:ea typeface="等线" pitchFamily="2" charset="-122"/>
+              </a:rPr>
+              <a:t>xs.zhou</a:t>
+            </a:r>
+            <a:endParaRPr lang="en-US" altLang="zh-CN" dirty="0" smtClean="0">
+              <a:latin typeface="等线" pitchFamily="2" charset="-122"/>
+              <a:ea typeface="等线" pitchFamily="2" charset="-122"/>
+            </a:endParaRPr>
+          </a:p>
+          <a:p>
+            <a:r>
+              <a:rPr lang="en-US" altLang="zh-CN" dirty="0" smtClean="0">
+                <a:latin typeface="等线" pitchFamily="2" charset="-122"/>
+              </a:rPr>
+              <a:t>2017</a:t>
+            </a:r>
+            <a:endParaRPr lang="zh-CN" altLang="en-US" dirty="0">
+              <a:latin typeface="等线" pitchFamily="2" charset="-122"/>
+              <a:ea typeface="等线" pitchFamily="2" charset="-122"/>
+            </a:endParaRPr>
           </a:p>
         </p:txBody>
       </p:sp>
@@ -3151,10 +3201,12 @@
           <a:bodyPr/>
           <a:lstStyle/>
           <a:p>
-            <a:r>
-              <a:rPr lang="zh-CN" altLang="en-US" dirty="0"/>
-              <a:t>作废设计</a:t>
-            </a:r>
+            <a:pPr algn="l"/>
+            <a:r>
+              <a:rPr lang="en-US" altLang="zh-CN" dirty="0" smtClean="0"/>
+              <a:t>Virtual Delete</a:t>
+            </a:r>
+            <a:endParaRPr lang="zh-CN" altLang="en-US" dirty="0"/>
           </a:p>
         </p:txBody>
       </p:sp>
@@ -3170,35 +3222,57 @@
         </p:nvSpPr>
         <p:spPr/>
         <p:txBody>
-          <a:bodyPr/>
-          <a:lstStyle/>
-          <a:p>
-            <a:r>
-              <a:rPr lang="zh-CN" altLang="en-US" dirty="0"/>
-              <a:t>本系统没有使用真正的删除设计，而是采用类似回收站的方式虚拟删除，防止数据误删时间发生。</a:t>
-            </a:r>
-            <a:endParaRPr lang="en-US" altLang="zh-CN" dirty="0"/>
-          </a:p>
-          <a:p>
-            <a:r>
-              <a:rPr lang="zh-CN" altLang="en-US" dirty="0"/>
-              <a:t>所有数据一经录入，会一直存在服务器中。</a:t>
-            </a:r>
-            <a:endParaRPr lang="en-US" altLang="zh-CN" dirty="0"/>
-          </a:p>
-          <a:p>
-            <a:r>
-              <a:rPr lang="zh-CN" altLang="en-US" dirty="0"/>
-              <a:t>数据只能标记为作废，标记后，数据将不再被发送到客户端</a:t>
-            </a:r>
-            <a:endParaRPr lang="en-US" altLang="zh-CN" dirty="0"/>
-          </a:p>
-          <a:p>
-            <a:r>
-              <a:rPr lang="zh-CN" altLang="en-US" dirty="0"/>
-              <a:t>作废的数据，只有管理员可以访问到。</a:t>
-            </a:r>
-            <a:endParaRPr lang="en-US" altLang="zh-CN" dirty="0"/>
+          <a:bodyPr>
+            <a:normAutofit/>
+          </a:bodyPr>
+          <a:lstStyle/>
+          <a:p>
+            <a:r>
+              <a:rPr lang="en-US" altLang="zh-CN" dirty="0" smtClean="0"/>
+              <a:t>There is no real delete in </a:t>
+            </a:r>
+            <a:r>
+              <a:rPr lang="en-US" altLang="zh-CN" dirty="0" err="1" smtClean="0"/>
+              <a:t>pms</a:t>
+            </a:r>
+            <a:r>
+              <a:rPr lang="en-US" altLang="zh-CN" dirty="0" smtClean="0"/>
+              <a:t> </a:t>
+            </a:r>
+            <a:r>
+              <a:rPr lang="en-US" altLang="zh-CN" dirty="0" smtClean="0"/>
+              <a:t>system, instead ,I use virtual delete like recycle in windows to avoid delete data </a:t>
+            </a:r>
+            <a:r>
+              <a:rPr lang="en-US" altLang="zh-CN" dirty="0" err="1" smtClean="0"/>
+              <a:t>mistakely</a:t>
+            </a:r>
+            <a:r>
+              <a:rPr lang="en-US" altLang="zh-CN" dirty="0" smtClean="0"/>
+              <a:t>. </a:t>
+            </a:r>
+            <a:endParaRPr lang="en-US" altLang="zh-CN" dirty="0" smtClean="0"/>
+          </a:p>
+          <a:p>
+            <a:r>
+              <a:rPr lang="en-US" altLang="zh-CN" dirty="0" smtClean="0"/>
+              <a:t>All data will be store forever when they are input into database</a:t>
+            </a:r>
+            <a:endParaRPr lang="en-US" altLang="zh-CN" dirty="0" smtClean="0"/>
+          </a:p>
+          <a:p>
+            <a:r>
+              <a:rPr lang="en-US" altLang="zh-CN" dirty="0" smtClean="0"/>
+              <a:t>When you </a:t>
+            </a:r>
+            <a:r>
+              <a:rPr lang="en-US" altLang="zh-CN" dirty="0" err="1" smtClean="0"/>
+              <a:t>virual</a:t>
+            </a:r>
+            <a:r>
+              <a:rPr lang="en-US" altLang="zh-CN" dirty="0" smtClean="0"/>
+              <a:t> delete a record ,you will not see it again in the client, but the administrator can read it if necessary.</a:t>
+            </a:r>
           </a:p>
         </p:txBody>
       </p:sp>
@@ -3242,10 +3316,24 @@
           <a:bodyPr/>
           <a:lstStyle/>
           <a:p>
-            <a:r>
-              <a:rPr lang="zh-CN" altLang="en-US" dirty="0"/>
-              <a:t>基本编号</a:t>
-            </a:r>
+            <a:pPr algn="l"/>
+            <a:r>
+              <a:rPr lang="en-US" altLang="zh-CN" dirty="0" smtClean="0"/>
+              <a:t>Snapshot Design</a:t>
+            </a:r>
+            <a:r>
+              <a:rPr lang="zh-CN" altLang="en-US" dirty="0" smtClean="0"/>
+              <a:t>（</a:t>
+            </a:r>
+            <a:r>
+              <a:rPr lang="en-US" altLang="zh-CN" dirty="0" smtClean="0"/>
+              <a:t>Foot print</a:t>
+            </a:r>
+            <a:r>
+              <a:rPr lang="zh-CN" altLang="en-US" dirty="0" smtClean="0"/>
+              <a:t>）</a:t>
+            </a:r>
+            <a:endParaRPr lang="zh-CN" altLang="en-US" dirty="0"/>
           </a:p>
         </p:txBody>
       </p:sp>
@@ -3261,53 +3349,51 @@
         </p:nvSpPr>
         <p:spPr/>
         <p:txBody>
-          <a:bodyPr/>
-          <a:lstStyle/>
-          <a:p>
-            <a:r>
-              <a:rPr lang="zh-CN" altLang="en-US" dirty="0"/>
-              <a:t>类似股票代码，提供唯一的，能够快捷确认信息记录的编号</a:t>
-            </a:r>
-            <a:endParaRPr lang="en-US" altLang="zh-CN" dirty="0"/>
-          </a:p>
-          <a:p>
-            <a:r>
-              <a:rPr lang="zh-CN" altLang="en-US" dirty="0"/>
-              <a:t>订单对应内部工作号</a:t>
-            </a:r>
-            <a:r>
-              <a:rPr lang="en-US" altLang="zh-CN" dirty="0" err="1"/>
-              <a:t>PMINumber</a:t>
-            </a:r>
-            <a:endParaRPr lang="en-US" altLang="zh-CN" dirty="0"/>
-          </a:p>
-          <a:p>
-            <a:r>
-              <a:rPr lang="zh-CN" altLang="en-US" dirty="0"/>
-              <a:t>原料订单对应原料订单编号</a:t>
-            </a:r>
-            <a:r>
-              <a:rPr lang="en-US" altLang="zh-CN" dirty="0"/>
-              <a:t>+</a:t>
-            </a:r>
-            <a:r>
-              <a:rPr lang="zh-CN" altLang="en-US" dirty="0"/>
-              <a:t>原料订单项编号</a:t>
-            </a:r>
-            <a:endParaRPr lang="en-US" altLang="zh-CN" dirty="0"/>
-          </a:p>
-          <a:p>
-            <a:r>
-              <a:rPr lang="zh-CN" altLang="en-US" dirty="0"/>
-              <a:t>热压对应热压编号</a:t>
-            </a:r>
-            <a:endParaRPr lang="en-US" altLang="zh-CN" dirty="0"/>
-          </a:p>
-          <a:p>
-            <a:r>
-              <a:rPr lang="zh-CN" altLang="en-US" dirty="0"/>
-              <a:t>背板对应背板编号</a:t>
-            </a:r>
+          <a:bodyPr>
+            <a:normAutofit/>
+          </a:bodyPr>
+          <a:lstStyle/>
+          <a:p>
+            <a:r>
+              <a:rPr lang="en-US" altLang="zh-CN" dirty="0" smtClean="0"/>
+              <a:t>All edit change will be </a:t>
+            </a:r>
+            <a:r>
+              <a:rPr lang="en-US" altLang="zh-CN" dirty="0" err="1" smtClean="0"/>
+              <a:t>snapshoted</a:t>
+            </a:r>
+            <a:r>
+              <a:rPr lang="en-US" altLang="zh-CN" dirty="0" smtClean="0"/>
+              <a:t> before real </a:t>
+            </a:r>
+            <a:r>
+              <a:rPr lang="en-US" altLang="zh-CN" dirty="0" err="1" smtClean="0"/>
+              <a:t>change.this</a:t>
+            </a:r>
+            <a:r>
+              <a:rPr lang="en-US" altLang="zh-CN" dirty="0" smtClean="0"/>
+              <a:t> process is fully </a:t>
+            </a:r>
+            <a:r>
+              <a:rPr lang="en-US" altLang="zh-CN" dirty="0" err="1" smtClean="0"/>
+              <a:t>automatic,no</a:t>
+            </a:r>
+            <a:r>
+              <a:rPr lang="en-US" altLang="zh-CN" dirty="0" smtClean="0"/>
+              <a:t> human factors. In Order to avoid data change accidentally or </a:t>
+            </a:r>
+            <a:r>
+              <a:rPr lang="en-US" altLang="zh-CN" dirty="0" err="1" smtClean="0"/>
+              <a:t>intentionaly</a:t>
+            </a:r>
+            <a:endParaRPr lang="en-US" altLang="zh-CN" dirty="0" smtClean="0"/>
+          </a:p>
+          <a:p>
+            <a:r>
+              <a:rPr lang="en-US" altLang="zh-CN" dirty="0" smtClean="0"/>
+              <a:t>There is a way to read the foot print by administrator.</a:t>
+            </a:r>
+            <a:endParaRPr lang="en-US" altLang="zh-CN" dirty="0" smtClean="0"/>
           </a:p>
         </p:txBody>
       </p:sp>
@@ -3351,10 +3437,12 @@
           <a:bodyPr/>
           <a:lstStyle/>
           <a:p>
-            <a:r>
-              <a:rPr lang="zh-CN" altLang="en-US" dirty="0"/>
-              <a:t>实际试用</a:t>
-            </a:r>
+            <a:pPr algn="l"/>
+            <a:r>
+              <a:rPr lang="en-US" altLang="zh-CN" dirty="0" smtClean="0"/>
+              <a:t>Authorization Design</a:t>
+            </a:r>
+            <a:endParaRPr lang="zh-CN" altLang="en-US" dirty="0"/>
           </a:p>
         </p:txBody>
       </p:sp>
@@ -3374,21 +3462,224 @@
           <a:lstStyle/>
           <a:p>
             <a:r>
-              <a:rPr lang="en-US" altLang="zh-CN" dirty="0"/>
+              <a:rPr lang="en-US" altLang="zh-CN" dirty="0" err="1" smtClean="0"/>
+              <a:t>EveryBody</a:t>
+            </a:r>
+            <a:r>
+              <a:rPr lang="en-US" altLang="zh-CN" dirty="0" smtClean="0"/>
+              <a:t> has his or her account.</a:t>
+            </a:r>
+            <a:endParaRPr lang="en-US" altLang="zh-CN" dirty="0" smtClean="0"/>
+          </a:p>
+          <a:p>
+            <a:r>
+              <a:rPr lang="en-US" altLang="zh-CN" dirty="0" smtClean="0"/>
+              <a:t>Role has Accesses. Account has Role.</a:t>
+            </a:r>
+          </a:p>
+          <a:p>
+            <a:r>
+              <a:rPr lang="en-US" altLang="zh-CN" dirty="0" smtClean="0"/>
+              <a:t>Accesses can be granted or revoked by Administrator.</a:t>
+            </a:r>
+            <a:endParaRPr lang="zh-CN" altLang="en-US" dirty="0"/>
+          </a:p>
+        </p:txBody>
+      </p:sp>
+    </p:spTree>
+  </p:cSld>
+  <p:clrMapOvr>
+    <a:masterClrMapping/>
+  </p:clrMapOvr>
+</p:sld>
+</file>
+
+<file path=ppt/slides/slide13.xml><?xml version="1.0" encoding="utf-8"?>
+<p:sld xmlns:a="http://schemas.openxmlformats.org/drawingml/2006/main" xmlns:r="http://schemas.openxmlformats.org/officeDocument/2006/relationships" xmlns:p="http://schemas.openxmlformats.org/presentationml/2006/main">
+  <p:cSld>
+    <p:spTree>
+      <p:nvGrpSpPr>
+        <p:cNvPr id="1" name=""/>
+        <p:cNvGrpSpPr/>
+        <p:nvPr/>
+      </p:nvGrpSpPr>
+      <p:grpSpPr>
+        <a:xfrm>
+          <a:off x="0" y="0"/>
+          <a:ext cx="0" cy="0"/>
+          <a:chOff x="0" y="0"/>
+          <a:chExt cx="0" cy="0"/>
+        </a:xfrm>
+      </p:grpSpPr>
+      <p:sp>
+        <p:nvSpPr>
+          <p:cNvPr id="2" name="标题 1"/>
+          <p:cNvSpPr>
+            <a:spLocks noGrp="1"/>
+          </p:cNvSpPr>
+          <p:nvPr>
+            <p:ph type="title"/>
+          </p:nvPr>
+        </p:nvSpPr>
+        <p:spPr/>
+        <p:txBody>
+          <a:bodyPr/>
+          <a:lstStyle/>
+          <a:p>
+            <a:pPr algn="l"/>
+            <a:r>
+              <a:rPr lang="en-US" altLang="zh-CN" dirty="0" smtClean="0"/>
+              <a:t>Data Backup</a:t>
+            </a:r>
+            <a:endParaRPr lang="zh-CN" altLang="en-US" dirty="0"/>
+          </a:p>
+        </p:txBody>
+      </p:sp>
+      <p:sp>
+        <p:nvSpPr>
+          <p:cNvPr id="3" name="内容占位符 2"/>
+          <p:cNvSpPr>
+            <a:spLocks noGrp="1"/>
+          </p:cNvSpPr>
+          <p:nvPr>
+            <p:ph idx="1"/>
+          </p:nvPr>
+        </p:nvSpPr>
+        <p:spPr/>
+        <p:txBody>
+          <a:bodyPr/>
+          <a:lstStyle/>
+          <a:p>
+            <a:r>
+              <a:rPr lang="en-US" altLang="zh-CN" dirty="0" smtClean="0"/>
+              <a:t>The hard drive on server use Raid1 as redundant design. Data will be safe unless two drive </a:t>
+            </a:r>
+            <a:r>
+              <a:rPr lang="en-US" altLang="zh-CN" dirty="0" err="1" smtClean="0"/>
+              <a:t>brokes</a:t>
+            </a:r>
+            <a:r>
+              <a:rPr lang="en-US" altLang="zh-CN" dirty="0" smtClean="0"/>
+              <a:t> at the same time.</a:t>
+            </a:r>
+            <a:endParaRPr lang="en-US" altLang="zh-CN" dirty="0" smtClean="0"/>
+          </a:p>
+          <a:p>
+            <a:r>
+              <a:rPr lang="en-US" altLang="zh-CN" dirty="0" smtClean="0"/>
+              <a:t>Backup Procedure will be </a:t>
+            </a:r>
+            <a:r>
+              <a:rPr lang="en-US" altLang="zh-CN" dirty="0" err="1" smtClean="0"/>
+              <a:t>runned</a:t>
+            </a:r>
+            <a:r>
+              <a:rPr lang="en-US" altLang="zh-CN" dirty="0" smtClean="0"/>
+              <a:t> every half hour.</a:t>
+            </a:r>
+            <a:endParaRPr lang="en-US" altLang="zh-CN" dirty="0" smtClean="0"/>
+          </a:p>
+          <a:p>
+            <a:r>
+              <a:rPr lang="en-US" altLang="zh-CN" dirty="0" smtClean="0"/>
+              <a:t>Backup File will be moved from server to another computer by administrator every week.</a:t>
+            </a:r>
+            <a:endParaRPr lang="zh-CN" altLang="en-US" dirty="0"/>
+          </a:p>
+        </p:txBody>
+      </p:sp>
+    </p:spTree>
+  </p:cSld>
+  <p:clrMapOvr>
+    <a:masterClrMapping/>
+  </p:clrMapOvr>
+</p:sld>
+</file>
+
+<file path=ppt/slides/slide14.xml><?xml version="1.0" encoding="utf-8"?>
+<p:sld xmlns:a="http://schemas.openxmlformats.org/drawingml/2006/main" xmlns:r="http://schemas.openxmlformats.org/officeDocument/2006/relationships" xmlns:p="http://schemas.openxmlformats.org/presentationml/2006/main">
+  <p:cSld>
+    <p:spTree>
+      <p:nvGrpSpPr>
+        <p:cNvPr id="1" name=""/>
+        <p:cNvGrpSpPr/>
+        <p:nvPr/>
+      </p:nvGrpSpPr>
+      <p:grpSpPr>
+        <a:xfrm>
+          <a:off x="0" y="0"/>
+          <a:ext cx="0" cy="0"/>
+          <a:chOff x="0" y="0"/>
+          <a:chExt cx="0" cy="0"/>
+        </a:xfrm>
+      </p:grpSpPr>
+      <p:sp>
+        <p:nvSpPr>
+          <p:cNvPr id="2" name="标题 1"/>
+          <p:cNvSpPr>
+            <a:spLocks noGrp="1"/>
+          </p:cNvSpPr>
+          <p:nvPr>
+            <p:ph type="title"/>
+          </p:nvPr>
+        </p:nvSpPr>
+        <p:spPr/>
+        <p:txBody>
+          <a:bodyPr/>
+          <a:lstStyle/>
+          <a:p>
+            <a:pPr algn="l"/>
+            <a:r>
+              <a:rPr lang="en-US" altLang="zh-CN" dirty="0" smtClean="0"/>
+              <a:t>Deployment History</a:t>
+            </a:r>
+            <a:endParaRPr lang="zh-CN" altLang="en-US" dirty="0"/>
+          </a:p>
+        </p:txBody>
+      </p:sp>
+      <p:sp>
+        <p:nvSpPr>
+          <p:cNvPr id="3" name="内容占位符 2"/>
+          <p:cNvSpPr>
+            <a:spLocks noGrp="1"/>
+          </p:cNvSpPr>
+          <p:nvPr>
+            <p:ph idx="1"/>
+          </p:nvPr>
+        </p:nvSpPr>
+        <p:spPr/>
+        <p:txBody>
+          <a:bodyPr/>
+          <a:lstStyle/>
+          <a:p>
+            <a:r>
+              <a:rPr lang="en-US" altLang="zh-CN" dirty="0" smtClean="0"/>
               <a:t>2017/4/17</a:t>
             </a:r>
             <a:r>
-              <a:rPr lang="zh-CN" altLang="en-US" dirty="0"/>
-              <a:t>号测试</a:t>
-            </a:r>
-            <a:r>
-              <a:rPr lang="en-US" altLang="zh-CN" dirty="0"/>
-              <a:t>4.0.0.0</a:t>
-            </a:r>
-            <a:r>
-              <a:rPr lang="zh-CN" altLang="en-US"/>
-              <a:t>版本</a:t>
-            </a:r>
+              <a:rPr lang="zh-CN" altLang="en-US" dirty="0" smtClean="0"/>
+              <a:t> </a:t>
+            </a:r>
+            <a:r>
+              <a:rPr lang="en-US" altLang="zh-CN" dirty="0" smtClean="0"/>
+              <a:t>4.0.0.0 Test Edition</a:t>
+            </a:r>
+            <a:endParaRPr lang="en-US" altLang="zh-CN" dirty="0" smtClean="0"/>
+          </a:p>
+          <a:p>
+            <a:r>
+              <a:rPr lang="en-US" altLang="zh-CN" smtClean="0"/>
+              <a:t>2017/5/19 4.1.0.0</a:t>
+            </a:r>
+            <a:r>
+              <a:rPr lang="zh-CN" altLang="en-US" dirty="0" smtClean="0"/>
+              <a:t> </a:t>
+            </a:r>
+            <a:r>
+              <a:rPr lang="en-US" altLang="zh-CN" dirty="0" smtClean="0"/>
+              <a:t>Formal Edition</a:t>
+            </a:r>
+            <a:endParaRPr lang="zh-CN" altLang="en-US" dirty="0"/>
           </a:p>
         </p:txBody>
       </p:sp>
@@ -3432,10 +3723,12 @@
           <a:bodyPr/>
           <a:lstStyle/>
           <a:p>
-            <a:r>
-              <a:rPr lang="zh-CN" altLang="en-US" dirty="0"/>
-              <a:t>要解决的问题</a:t>
-            </a:r>
+            <a:pPr algn="l"/>
+            <a:r>
+              <a:rPr lang="en-US" altLang="zh-CN" dirty="0" smtClean="0"/>
+              <a:t>Problems To Solve</a:t>
+            </a:r>
+            <a:endParaRPr lang="zh-CN" altLang="en-US" dirty="0"/>
           </a:p>
         </p:txBody>
       </p:sp>
@@ -3455,37 +3748,46 @@
           <a:lstStyle/>
           <a:p>
             <a:r>
-              <a:rPr lang="zh-CN" altLang="en-US" dirty="0"/>
-              <a:t>大幅减少犯错</a:t>
+              <a:rPr lang="en-US" altLang="zh-CN" dirty="0" smtClean="0"/>
+              <a:t>Make process and responsibility clear</a:t>
+            </a:r>
+            <a:endParaRPr lang="en-US" altLang="zh-CN" dirty="0" smtClean="0"/>
+          </a:p>
+          <a:p>
+            <a:r>
+              <a:rPr lang="en-US" altLang="zh-CN" dirty="0" smtClean="0"/>
+              <a:t>Reduce human errors</a:t>
             </a:r>
             <a:endParaRPr lang="en-US" altLang="zh-CN" dirty="0"/>
           </a:p>
           <a:p>
             <a:r>
-              <a:rPr lang="zh-CN" altLang="en-US" dirty="0"/>
-              <a:t>清晰流程权责</a:t>
+              <a:rPr lang="en-US" altLang="zh-CN" dirty="0" smtClean="0"/>
+              <a:t>Improve work </a:t>
+            </a:r>
+            <a:r>
+              <a:rPr lang="en-US" altLang="zh-CN" dirty="0" err="1" smtClean="0"/>
+              <a:t>effciency</a:t>
             </a:r>
             <a:endParaRPr lang="en-US" altLang="zh-CN" dirty="0"/>
           </a:p>
           <a:p>
             <a:r>
-              <a:rPr lang="zh-CN" altLang="en-US" dirty="0"/>
-              <a:t>提高工作效率</a:t>
-            </a:r>
-            <a:endParaRPr lang="en-US" altLang="zh-CN" dirty="0"/>
-          </a:p>
-          <a:p>
-            <a:r>
-              <a:rPr lang="zh-CN" altLang="en-US" dirty="0"/>
-              <a:t>消除重复劳动</a:t>
-            </a:r>
-            <a:endParaRPr lang="en-US" altLang="zh-CN" dirty="0"/>
-          </a:p>
-          <a:p>
-            <a:r>
-              <a:rPr lang="zh-CN" altLang="en-US" dirty="0"/>
-              <a:t>解放宝贵人力</a:t>
-            </a:r>
+              <a:rPr lang="en-US" altLang="zh-CN" dirty="0" err="1" smtClean="0"/>
+              <a:t>Elimiate</a:t>
+            </a:r>
+            <a:r>
+              <a:rPr lang="en-US" altLang="zh-CN" dirty="0" smtClean="0"/>
+              <a:t> non-quality work</a:t>
+            </a:r>
+            <a:endParaRPr lang="en-US" altLang="zh-CN" dirty="0" smtClean="0"/>
+          </a:p>
+          <a:p>
+            <a:r>
+              <a:rPr lang="en-US" altLang="zh-CN" dirty="0" smtClean="0"/>
+              <a:t>Minimum human resource requirement</a:t>
+            </a:r>
+            <a:endParaRPr lang="zh-CN" altLang="en-US" dirty="0"/>
           </a:p>
         </p:txBody>
       </p:sp>
@@ -3529,10 +3831,12 @@
           <a:bodyPr/>
           <a:lstStyle/>
           <a:p>
-            <a:r>
-              <a:rPr lang="zh-CN" altLang="en-US" dirty="0"/>
-              <a:t>基本架构</a:t>
-            </a:r>
+            <a:pPr algn="l"/>
+            <a:r>
+              <a:rPr lang="en-US" altLang="zh-CN" dirty="0" smtClean="0"/>
+              <a:t>Basic Framework</a:t>
+            </a:r>
+            <a:endParaRPr lang="zh-CN" altLang="en-US" dirty="0"/>
           </a:p>
         </p:txBody>
       </p:sp>
@@ -3552,48 +3856,89 @@
           <a:lstStyle/>
           <a:p>
             <a:r>
-              <a:rPr lang="zh-CN" altLang="en-US" dirty="0"/>
-              <a:t>服务器端（核心）</a:t>
+              <a:rPr lang="en-US" altLang="zh-CN" dirty="0" smtClean="0"/>
+              <a:t>Server</a:t>
+            </a:r>
+            <a:r>
+              <a:rPr lang="zh-CN" altLang="en-US" dirty="0" smtClean="0"/>
+              <a:t>（</a:t>
+            </a:r>
+            <a:r>
+              <a:rPr lang="en-US" altLang="zh-CN" dirty="0" smtClean="0"/>
+              <a:t>Core</a:t>
+            </a:r>
+            <a:r>
+              <a:rPr lang="zh-CN" altLang="en-US" dirty="0" smtClean="0"/>
+              <a:t>）</a:t>
             </a:r>
             <a:endParaRPr lang="en-US" altLang="zh-CN" dirty="0"/>
           </a:p>
           <a:p>
             <a:pPr lvl="1"/>
             <a:r>
-              <a:rPr lang="zh-CN" altLang="en-US" dirty="0"/>
-              <a:t>服务器：提供所需要的服务</a:t>
+              <a:rPr lang="en-US" altLang="zh-CN" dirty="0" smtClean="0"/>
+              <a:t>Server</a:t>
+            </a:r>
+            <a:r>
+              <a:rPr lang="zh-CN" altLang="en-US" dirty="0" smtClean="0"/>
+              <a:t>：</a:t>
+            </a:r>
+            <a:r>
+              <a:rPr lang="en-US" altLang="zh-CN" dirty="0" smtClean="0"/>
+              <a:t>provide all necessary API services</a:t>
             </a:r>
             <a:endParaRPr lang="en-US" altLang="zh-CN" dirty="0"/>
           </a:p>
           <a:p>
             <a:pPr lvl="1"/>
             <a:r>
-              <a:rPr lang="zh-CN" altLang="en-US" dirty="0"/>
-              <a:t>数据库：存储数据</a:t>
+              <a:rPr lang="en-US" altLang="zh-CN" dirty="0" smtClean="0"/>
+              <a:t>database</a:t>
+            </a:r>
+            <a:r>
+              <a:rPr lang="zh-CN" altLang="en-US" dirty="0" smtClean="0"/>
+              <a:t>：</a:t>
+            </a:r>
+            <a:r>
+              <a:rPr lang="en-US" altLang="zh-CN" dirty="0" smtClean="0"/>
+              <a:t>store data</a:t>
             </a:r>
             <a:endParaRPr lang="en-US" altLang="zh-CN" dirty="0"/>
           </a:p>
           <a:p>
             <a:r>
-              <a:rPr lang="zh-CN" altLang="en-US" dirty="0"/>
-              <a:t>客户端（用户界面）</a:t>
+              <a:rPr lang="en-US" altLang="zh-CN" dirty="0" smtClean="0"/>
+              <a:t>Client</a:t>
+            </a:r>
+            <a:r>
+              <a:rPr lang="zh-CN" altLang="en-US" dirty="0" smtClean="0"/>
+              <a:t>（</a:t>
+            </a:r>
+            <a:r>
+              <a:rPr lang="en-US" altLang="zh-CN" dirty="0" smtClean="0"/>
+              <a:t>UI</a:t>
+            </a:r>
+            <a:r>
+              <a:rPr lang="zh-CN" altLang="en-US" dirty="0" smtClean="0"/>
+              <a:t>）</a:t>
             </a:r>
             <a:endParaRPr lang="en-US" altLang="zh-CN" dirty="0"/>
           </a:p>
           <a:p>
             <a:pPr lvl="1"/>
             <a:r>
-              <a:rPr lang="zh-CN" altLang="en-US" dirty="0"/>
-              <a:t>读取服务器数据</a:t>
+              <a:rPr lang="en-US" altLang="zh-CN" dirty="0" smtClean="0"/>
+              <a:t>Read data from server</a:t>
             </a:r>
             <a:endParaRPr lang="en-US" altLang="zh-CN" dirty="0"/>
           </a:p>
           <a:p>
             <a:pPr lvl="1"/>
             <a:r>
-              <a:rPr lang="zh-CN" altLang="en-US" dirty="0"/>
-              <a:t>写入数据到服务器数据库</a:t>
-            </a:r>
+              <a:rPr lang="en-US" altLang="zh-CN" dirty="0" smtClean="0"/>
+              <a:t>Write data into server</a:t>
+            </a:r>
+            <a:endParaRPr lang="zh-CN" altLang="en-US" dirty="0"/>
           </a:p>
         </p:txBody>
       </p:sp>
@@ -3637,139 +3982,528 @@
           <a:bodyPr/>
           <a:lstStyle/>
           <a:p>
-            <a:r>
-              <a:rPr lang="zh-CN" altLang="en-US" dirty="0"/>
-              <a:t>基本流程</a:t>
-            </a:r>
-          </a:p>
-        </p:txBody>
-      </p:sp>
-      <p:sp>
-        <p:nvSpPr>
-          <p:cNvPr id="5" name="内容占位符 4"/>
-          <p:cNvSpPr>
-            <a:spLocks noGrp="1"/>
-          </p:cNvSpPr>
+            <a:pPr algn="l"/>
+            <a:r>
+              <a:rPr lang="en-US" altLang="zh-CN" dirty="0" smtClean="0"/>
+              <a:t>Basic Work Flow</a:t>
+            </a:r>
+            <a:endParaRPr lang="zh-CN" altLang="en-US" dirty="0"/>
+          </a:p>
+        </p:txBody>
+      </p:sp>
+      <p:graphicFrame>
+        <p:nvGraphicFramePr>
+          <p:cNvPr id="7" name="内容占位符 6"/>
+          <p:cNvGraphicFramePr>
+            <a:graphicFrameLocks noGrp="1"/>
+          </p:cNvGraphicFramePr>
           <p:nvPr>
             <p:ph idx="1"/>
           </p:nvPr>
-        </p:nvSpPr>
-        <p:spPr>
-          <a:xfrm>
-            <a:off x="457200" y="1142984"/>
-            <a:ext cx="8229600" cy="4983179"/>
-          </a:xfrm>
-        </p:spPr>
-        <p:txBody>
-          <a:bodyPr>
-            <a:noAutofit/>
-          </a:bodyPr>
-          <a:lstStyle/>
-          <a:p>
-            <a:pPr lvl="0"/>
-            <a:r>
-              <a:rPr lang="zh-CN" altLang="en-US" sz="1400" dirty="0"/>
-              <a:t>订单录入</a:t>
-            </a:r>
-          </a:p>
-          <a:p>
-            <a:pPr lvl="0"/>
-            <a:r>
-              <a:rPr lang="zh-CN" altLang="en-US" sz="1400" dirty="0"/>
-              <a:t>订单核验</a:t>
-            </a:r>
-          </a:p>
-          <a:p>
-            <a:pPr lvl="0"/>
-            <a:r>
-              <a:rPr lang="zh-CN" altLang="en-US" sz="1400" dirty="0"/>
-              <a:t>原料需求</a:t>
-            </a:r>
-          </a:p>
-          <a:p>
-            <a:pPr lvl="0"/>
-            <a:r>
-              <a:rPr lang="zh-CN" altLang="en-US" sz="1400" dirty="0"/>
-              <a:t>原料订单</a:t>
-            </a:r>
-          </a:p>
-          <a:p>
-            <a:pPr lvl="0"/>
-            <a:r>
-              <a:rPr lang="zh-CN" altLang="en-US" sz="1400" dirty="0"/>
-              <a:t>原料入库出库</a:t>
-            </a:r>
-          </a:p>
-          <a:p>
-            <a:pPr lvl="0"/>
-            <a:r>
-              <a:rPr lang="zh-CN" altLang="en-US" sz="1400" dirty="0"/>
-              <a:t>生产任务计划</a:t>
-            </a:r>
-          </a:p>
-          <a:p>
-            <a:pPr lvl="0"/>
-            <a:r>
-              <a:rPr lang="zh-CN" altLang="en-US" sz="1400" dirty="0"/>
-              <a:t>制粉</a:t>
-            </a:r>
-          </a:p>
-          <a:p>
-            <a:pPr lvl="0"/>
-            <a:r>
-              <a:rPr lang="zh-CN" altLang="en-US" sz="1400" dirty="0"/>
-              <a:t>热压</a:t>
-            </a:r>
-          </a:p>
-          <a:p>
-            <a:pPr lvl="0"/>
-            <a:r>
-              <a:rPr lang="zh-CN" altLang="en-US" sz="1400" dirty="0"/>
-              <a:t>取模</a:t>
-            </a:r>
-          </a:p>
-          <a:p>
-            <a:pPr lvl="0"/>
-            <a:r>
-              <a:rPr lang="zh-CN" altLang="en-US" sz="1400" dirty="0"/>
-              <a:t>机加工</a:t>
-            </a:r>
-          </a:p>
-          <a:p>
-            <a:pPr lvl="0"/>
-            <a:r>
-              <a:rPr lang="zh-CN" altLang="en-US" sz="1400" dirty="0"/>
-              <a:t>检测</a:t>
-            </a:r>
-          </a:p>
-          <a:p>
-            <a:pPr lvl="0"/>
-            <a:r>
-              <a:rPr lang="zh-CN" altLang="en-US" sz="1400" dirty="0"/>
-              <a:t>绑定</a:t>
-            </a:r>
-            <a:endParaRPr lang="en-US" altLang="zh-CN" sz="1400" dirty="0"/>
-          </a:p>
-          <a:p>
-            <a:pPr lvl="0"/>
-            <a:r>
-              <a:rPr lang="zh-CN" altLang="en-US" sz="1400" dirty="0"/>
-              <a:t>产品入库</a:t>
-            </a:r>
-            <a:endParaRPr lang="en-US" altLang="zh-CN" sz="1400" dirty="0"/>
-          </a:p>
-          <a:p>
-            <a:pPr lvl="0"/>
-            <a:r>
-              <a:rPr lang="zh-CN" altLang="en-US" sz="1400" dirty="0"/>
-              <a:t>产品发货</a:t>
-            </a:r>
-          </a:p>
-          <a:p>
-            <a:endParaRPr lang="zh-CN" altLang="en-US" sz="1400" dirty="0"/>
-          </a:p>
-        </p:txBody>
-      </p:sp>
+        </p:nvGraphicFramePr>
+        <p:xfrm>
+          <a:off x="457200" y="1600200"/>
+          <a:ext cx="8229600" cy="3708400"/>
+        </p:xfrm>
+        <a:graphic>
+          <a:graphicData uri="http://schemas.openxmlformats.org/drawingml/2006/table">
+            <a:tbl>
+              <a:tblPr firstRow="1" bandRow="1">
+                <a:tableStyleId>{5C22544A-7EE6-4342-B048-85BDC9FD1C3A}</a:tableStyleId>
+              </a:tblPr>
+              <a:tblGrid>
+                <a:gridCol w="730424"/>
+                <a:gridCol w="1152128"/>
+                <a:gridCol w="6347048"/>
+              </a:tblGrid>
+              <a:tr h="370840">
+                <a:tc>
+                  <a:txBody>
+                    <a:bodyPr/>
+                    <a:lstStyle/>
+                    <a:p>
+                      <a:r>
+                        <a:rPr lang="en-US" altLang="zh-CN" dirty="0" smtClean="0"/>
+                        <a:t>No</a:t>
+                      </a:r>
+                      <a:endParaRPr lang="zh-CN" altLang="en-US" dirty="0"/>
+                    </a:p>
+                  </a:txBody>
+                  <a:tcPr/>
+                </a:tc>
+                <a:tc>
+                  <a:txBody>
+                    <a:bodyPr/>
+                    <a:lstStyle/>
+                    <a:p>
+                      <a:r>
+                        <a:rPr lang="en-US" altLang="zh-CN" dirty="0" smtClean="0"/>
+                        <a:t>Flow</a:t>
+                      </a:r>
+                      <a:endParaRPr lang="zh-CN" altLang="en-US" dirty="0"/>
+                    </a:p>
+                  </a:txBody>
+                  <a:tcPr/>
+                </a:tc>
+                <a:tc>
+                  <a:txBody>
+                    <a:bodyPr/>
+                    <a:lstStyle/>
+                    <a:p>
+                      <a:r>
+                        <a:rPr lang="en-US" altLang="zh-CN" dirty="0" smtClean="0"/>
+                        <a:t>Item</a:t>
+                      </a:r>
+                      <a:endParaRPr lang="zh-CN" altLang="en-US" dirty="0"/>
+                    </a:p>
+                  </a:txBody>
+                  <a:tcPr/>
+                </a:tc>
+              </a:tr>
+              <a:tr h="370840">
+                <a:tc>
+                  <a:txBody>
+                    <a:bodyPr/>
+                    <a:lstStyle/>
+                    <a:p>
+                      <a:pPr algn="ctr"/>
+                      <a:r>
+                        <a:rPr lang="en-US" altLang="zh-CN" dirty="0" smtClean="0"/>
+                        <a:t>1</a:t>
+                      </a:r>
+                      <a:endParaRPr lang="zh-CN" altLang="en-US" dirty="0"/>
+                    </a:p>
+                  </a:txBody>
+                  <a:tcPr/>
+                </a:tc>
+                <a:tc>
+                  <a:txBody>
+                    <a:bodyPr/>
+                    <a:lstStyle/>
+                    <a:p>
+                      <a:r>
+                        <a:rPr lang="en-US" altLang="zh-CN" dirty="0" smtClean="0"/>
+                        <a:t>Order</a:t>
+                      </a:r>
+                      <a:endParaRPr lang="zh-CN" altLang="en-US" dirty="0"/>
+                    </a:p>
+                  </a:txBody>
+                  <a:tcPr/>
+                </a:tc>
+                <a:tc>
+                  <a:txBody>
+                    <a:bodyPr/>
+                    <a:lstStyle/>
+                    <a:p>
+                      <a:r>
+                        <a:rPr lang="en-US" altLang="zh-CN" dirty="0" smtClean="0"/>
+                        <a:t>Order-</a:t>
+                      </a:r>
+                      <a:r>
+                        <a:rPr lang="en-US" altLang="zh-CN" dirty="0" err="1" smtClean="0"/>
+                        <a:t>OrderCheck</a:t>
+                      </a:r>
+                      <a:r>
+                        <a:rPr lang="en-US" altLang="zh-CN" dirty="0" smtClean="0"/>
+                        <a:t>-Customer-</a:t>
+                      </a:r>
+                      <a:r>
+                        <a:rPr lang="en-US" altLang="zh-CN" dirty="0" err="1" smtClean="0"/>
+                        <a:t>OutSource</a:t>
+                      </a:r>
+                      <a:endParaRPr lang="zh-CN" altLang="en-US" dirty="0"/>
+                    </a:p>
+                  </a:txBody>
+                  <a:tcPr/>
+                </a:tc>
+              </a:tr>
+              <a:tr h="370840">
+                <a:tc>
+                  <a:txBody>
+                    <a:bodyPr/>
+                    <a:lstStyle/>
+                    <a:p>
+                      <a:pPr algn="ctr"/>
+                      <a:r>
+                        <a:rPr lang="en-US" altLang="zh-CN" dirty="0" smtClean="0"/>
+                        <a:t>2</a:t>
+                      </a:r>
+                      <a:endParaRPr lang="zh-CN" altLang="en-US" dirty="0"/>
+                    </a:p>
+                  </a:txBody>
+                  <a:tcPr/>
+                </a:tc>
+                <a:tc>
+                  <a:txBody>
+                    <a:bodyPr/>
+                    <a:lstStyle/>
+                    <a:p>
+                      <a:r>
+                        <a:rPr lang="en-US" altLang="zh-CN" dirty="0" smtClean="0"/>
+                        <a:t>Material</a:t>
+                      </a:r>
+                      <a:endParaRPr lang="zh-CN" altLang="en-US" dirty="0"/>
+                    </a:p>
+                  </a:txBody>
+                  <a:tcPr/>
+                </a:tc>
+                <a:tc>
+                  <a:txBody>
+                    <a:bodyPr/>
+                    <a:lstStyle/>
+                    <a:p>
+                      <a:r>
+                        <a:rPr lang="en-US" altLang="zh-CN" dirty="0" smtClean="0"/>
+                        <a:t>Material</a:t>
+                      </a:r>
+                      <a:r>
+                        <a:rPr lang="en-US" altLang="zh-CN" baseline="0" dirty="0" smtClean="0"/>
+                        <a:t> Need</a:t>
+                      </a:r>
+                      <a:r>
+                        <a:rPr lang="en-US" altLang="zh-CN" dirty="0" smtClean="0"/>
+                        <a:t>-Material</a:t>
+                      </a:r>
+                      <a:r>
+                        <a:rPr lang="en-US" altLang="zh-CN" baseline="0" dirty="0" smtClean="0"/>
+                        <a:t> Order</a:t>
+                      </a:r>
+                      <a:r>
+                        <a:rPr lang="en-US" altLang="zh-CN" dirty="0" smtClean="0"/>
+                        <a:t>-Material</a:t>
+                      </a:r>
+                      <a:r>
+                        <a:rPr lang="en-US" altLang="zh-CN" baseline="0" dirty="0" smtClean="0"/>
+                        <a:t> Inventory</a:t>
+                      </a:r>
+                      <a:r>
+                        <a:rPr lang="en-US" altLang="zh-CN" dirty="0" smtClean="0"/>
+                        <a:t>-Back</a:t>
+                      </a:r>
+                      <a:r>
+                        <a:rPr lang="en-US" altLang="zh-CN" baseline="0" dirty="0" smtClean="0"/>
+                        <a:t> Plate</a:t>
+                      </a:r>
+                      <a:endParaRPr lang="zh-CN" altLang="en-US" dirty="0"/>
+                    </a:p>
+                  </a:txBody>
+                  <a:tcPr/>
+                </a:tc>
+              </a:tr>
+              <a:tr h="370840">
+                <a:tc>
+                  <a:txBody>
+                    <a:bodyPr/>
+                    <a:lstStyle/>
+                    <a:p>
+                      <a:pPr algn="ctr"/>
+                      <a:r>
+                        <a:rPr lang="en-US" altLang="zh-CN" dirty="0" smtClean="0"/>
+                        <a:t>3</a:t>
+                      </a:r>
+                      <a:endParaRPr lang="zh-CN" altLang="en-US" dirty="0"/>
+                    </a:p>
+                  </a:txBody>
+                  <a:tcPr/>
+                </a:tc>
+                <a:tc>
+                  <a:txBody>
+                    <a:bodyPr/>
+                    <a:lstStyle/>
+                    <a:p>
+                      <a:r>
+                        <a:rPr lang="en-US" altLang="zh-CN" dirty="0" smtClean="0"/>
+                        <a:t>Mission</a:t>
+                      </a:r>
+                      <a:endParaRPr lang="zh-CN" altLang="en-US" dirty="0"/>
+                    </a:p>
+                  </a:txBody>
+                  <a:tcPr/>
+                </a:tc>
+                <a:tc>
+                  <a:txBody>
+                    <a:bodyPr/>
+                    <a:lstStyle/>
+                    <a:p>
+                      <a:r>
+                        <a:rPr lang="en-US" altLang="zh-CN" dirty="0" err="1" smtClean="0"/>
+                        <a:t>Misson</a:t>
+                      </a:r>
+                      <a:endParaRPr lang="zh-CN" altLang="en-US" dirty="0"/>
+                    </a:p>
+                  </a:txBody>
+                  <a:tcPr/>
+                </a:tc>
+              </a:tr>
+              <a:tr h="370840">
+                <a:tc>
+                  <a:txBody>
+                    <a:bodyPr/>
+                    <a:lstStyle/>
+                    <a:p>
+                      <a:pPr algn="ctr"/>
+                      <a:r>
+                        <a:rPr lang="en-US" altLang="zh-CN" dirty="0" smtClean="0"/>
+                        <a:t>4</a:t>
+                      </a:r>
+                      <a:endParaRPr lang="zh-CN" altLang="en-US" dirty="0"/>
+                    </a:p>
+                  </a:txBody>
+                  <a:tcPr/>
+                </a:tc>
+                <a:tc>
+                  <a:txBody>
+                    <a:bodyPr/>
+                    <a:lstStyle/>
+                    <a:p>
+                      <a:r>
+                        <a:rPr lang="en-US" altLang="zh-CN" dirty="0" smtClean="0"/>
+                        <a:t>Plan</a:t>
+                      </a:r>
+                      <a:endParaRPr lang="zh-CN" altLang="en-US" dirty="0"/>
+                    </a:p>
+                  </a:txBody>
+                  <a:tcPr/>
+                </a:tc>
+                <a:tc>
+                  <a:txBody>
+                    <a:bodyPr/>
+                    <a:lstStyle/>
+                    <a:p>
+                      <a:r>
+                        <a:rPr lang="en-US" altLang="zh-CN" dirty="0" smtClean="0"/>
+                        <a:t>Plan</a:t>
+                      </a:r>
+                      <a:endParaRPr lang="zh-CN" altLang="en-US" dirty="0"/>
+                    </a:p>
+                  </a:txBody>
+                  <a:tcPr/>
+                </a:tc>
+              </a:tr>
+              <a:tr h="370840">
+                <a:tc>
+                  <a:txBody>
+                    <a:bodyPr/>
+                    <a:lstStyle/>
+                    <a:p>
+                      <a:pPr algn="ctr"/>
+                      <a:r>
+                        <a:rPr lang="en-US" altLang="zh-CN" dirty="0" smtClean="0"/>
+                        <a:t>5</a:t>
+                      </a:r>
+                      <a:endParaRPr lang="zh-CN" altLang="en-US" dirty="0"/>
+                    </a:p>
+                  </a:txBody>
+                  <a:tcPr/>
+                </a:tc>
+                <a:tc>
+                  <a:txBody>
+                    <a:bodyPr/>
+                    <a:lstStyle/>
+                    <a:p>
+                      <a:r>
+                        <a:rPr lang="en-US" altLang="zh-CN" dirty="0" smtClean="0"/>
+                        <a:t>Record</a:t>
+                      </a:r>
+                      <a:endParaRPr lang="zh-CN" altLang="en-US" dirty="0"/>
+                    </a:p>
+                  </a:txBody>
+                  <a:tcPr/>
+                </a:tc>
+                <a:tc>
+                  <a:txBody>
+                    <a:bodyPr/>
+                    <a:lstStyle/>
+                    <a:p>
+                      <a:r>
+                        <a:rPr lang="en-US" altLang="zh-CN" dirty="0" smtClean="0"/>
+                        <a:t>Milling-VHP-</a:t>
+                      </a:r>
+                      <a:r>
+                        <a:rPr lang="en-US" altLang="zh-CN" dirty="0" err="1" smtClean="0"/>
+                        <a:t>DeMold</a:t>
+                      </a:r>
+                      <a:r>
+                        <a:rPr lang="en-US" altLang="zh-CN" dirty="0" smtClean="0"/>
+                        <a:t>-Machine-Test-Bonding</a:t>
+                      </a:r>
+                      <a:endParaRPr lang="zh-CN" altLang="en-US" dirty="0"/>
+                    </a:p>
+                  </a:txBody>
+                  <a:tcPr/>
+                </a:tc>
+              </a:tr>
+              <a:tr h="370840">
+                <a:tc>
+                  <a:txBody>
+                    <a:bodyPr/>
+                    <a:lstStyle/>
+                    <a:p>
+                      <a:pPr algn="ctr"/>
+                      <a:r>
+                        <a:rPr lang="en-US" altLang="zh-CN" dirty="0" smtClean="0"/>
+                        <a:t>6</a:t>
+                      </a:r>
+                      <a:endParaRPr lang="zh-CN" altLang="en-US" dirty="0"/>
+                    </a:p>
+                  </a:txBody>
+                  <a:tcPr/>
+                </a:tc>
+                <a:tc>
+                  <a:txBody>
+                    <a:bodyPr/>
+                    <a:lstStyle/>
+                    <a:p>
+                      <a:r>
+                        <a:rPr lang="en-US" altLang="zh-CN" dirty="0" smtClean="0"/>
+                        <a:t>Product</a:t>
+                      </a:r>
+                      <a:endParaRPr lang="zh-CN" altLang="en-US" dirty="0"/>
+                    </a:p>
+                  </a:txBody>
+                  <a:tcPr/>
+                </a:tc>
+                <a:tc>
+                  <a:txBody>
+                    <a:bodyPr/>
+                    <a:lstStyle/>
+                    <a:p>
+                      <a:r>
+                        <a:rPr lang="en-US" altLang="zh-CN" dirty="0" smtClean="0"/>
+                        <a:t>Product</a:t>
+                      </a:r>
+                      <a:endParaRPr lang="zh-CN" altLang="en-US" dirty="0"/>
+                    </a:p>
+                  </a:txBody>
+                  <a:tcPr/>
+                </a:tc>
+              </a:tr>
+              <a:tr h="370840">
+                <a:tc>
+                  <a:txBody>
+                    <a:bodyPr/>
+                    <a:lstStyle/>
+                    <a:p>
+                      <a:pPr algn="ctr"/>
+                      <a:r>
+                        <a:rPr lang="en-US" altLang="zh-CN" dirty="0" smtClean="0"/>
+                        <a:t>7</a:t>
+                      </a:r>
+                      <a:endParaRPr lang="zh-CN" altLang="en-US" dirty="0"/>
+                    </a:p>
+                  </a:txBody>
+                  <a:tcPr/>
+                </a:tc>
+                <a:tc>
+                  <a:txBody>
+                    <a:bodyPr/>
+                    <a:lstStyle/>
+                    <a:p>
+                      <a:r>
+                        <a:rPr lang="en-US" altLang="zh-CN" dirty="0" smtClean="0"/>
+                        <a:t>Delivery</a:t>
+                      </a:r>
+                      <a:endParaRPr lang="zh-CN" altLang="en-US" dirty="0"/>
+                    </a:p>
+                  </a:txBody>
+                  <a:tcPr/>
+                </a:tc>
+                <a:tc>
+                  <a:txBody>
+                    <a:bodyPr/>
+                    <a:lstStyle/>
+                    <a:p>
+                      <a:r>
+                        <a:rPr lang="en-US" altLang="zh-CN" dirty="0" smtClean="0"/>
+                        <a:t>Delivery</a:t>
+                      </a:r>
+                      <a:endParaRPr lang="zh-CN" altLang="en-US" dirty="0"/>
+                    </a:p>
+                  </a:txBody>
+                  <a:tcPr/>
+                </a:tc>
+              </a:tr>
+              <a:tr h="370840">
+                <a:tc>
+                  <a:txBody>
+                    <a:bodyPr/>
+                    <a:lstStyle/>
+                    <a:p>
+                      <a:pPr algn="ctr"/>
+                      <a:r>
+                        <a:rPr lang="en-US" altLang="zh-CN" dirty="0" smtClean="0"/>
+                        <a:t>8</a:t>
+                      </a:r>
+                      <a:endParaRPr lang="zh-CN" altLang="en-US" dirty="0"/>
+                    </a:p>
+                  </a:txBody>
+                  <a:tcPr/>
+                </a:tc>
+                <a:tc>
+                  <a:txBody>
+                    <a:bodyPr/>
+                    <a:lstStyle/>
+                    <a:p>
+                      <a:r>
+                        <a:rPr lang="en-US" altLang="zh-CN" dirty="0" smtClean="0"/>
+                        <a:t>Feed Back</a:t>
+                      </a:r>
+                      <a:endParaRPr lang="zh-CN" altLang="en-US" dirty="0"/>
+                    </a:p>
+                  </a:txBody>
+                  <a:tcPr/>
+                </a:tc>
+                <a:tc>
+                  <a:txBody>
+                    <a:bodyPr/>
+                    <a:lstStyle/>
+                    <a:p>
+                      <a:r>
+                        <a:rPr lang="en-US" altLang="zh-CN" dirty="0" smtClean="0"/>
+                        <a:t>Feed Back</a:t>
+                      </a:r>
+                      <a:endParaRPr lang="zh-CN" altLang="en-US" dirty="0"/>
+                    </a:p>
+                  </a:txBody>
+                  <a:tcPr/>
+                </a:tc>
+              </a:tr>
+              <a:tr h="370840">
+                <a:tc>
+                  <a:txBody>
+                    <a:bodyPr/>
+                    <a:lstStyle/>
+                    <a:p>
+                      <a:endParaRPr lang="zh-CN" altLang="en-US"/>
+                    </a:p>
+                  </a:txBody>
+                  <a:tcPr/>
+                </a:tc>
+                <a:tc>
+                  <a:txBody>
+                    <a:bodyPr/>
+                    <a:lstStyle/>
+                    <a:p>
+                      <a:endParaRPr lang="zh-CN" altLang="en-US" dirty="0"/>
+                    </a:p>
+                  </a:txBody>
+                  <a:tcPr/>
+                </a:tc>
+                <a:tc>
+                  <a:txBody>
+                    <a:bodyPr/>
+                    <a:lstStyle/>
+                    <a:p>
+                      <a:endParaRPr lang="zh-CN" altLang="en-US" dirty="0"/>
+                    </a:p>
+                  </a:txBody>
+                  <a:tcPr/>
+                </a:tc>
+              </a:tr>
+            </a:tbl>
+          </a:graphicData>
+        </a:graphic>
+      </p:graphicFrame>
     </p:spTree>
   </p:cSld>
   <p:clrMapOvr>
@@ -3810,10 +4544,12 @@
           <a:bodyPr/>
           <a:lstStyle/>
           <a:p>
-            <a:r>
-              <a:rPr lang="zh-CN" altLang="en-US" dirty="0"/>
-              <a:t>基本功能</a:t>
-            </a:r>
+            <a:pPr algn="l"/>
+            <a:r>
+              <a:rPr lang="en-US" altLang="zh-CN" dirty="0" smtClean="0"/>
+              <a:t>Basic Functions</a:t>
+            </a:r>
+            <a:endParaRPr lang="zh-CN" altLang="en-US" dirty="0"/>
           </a:p>
         </p:txBody>
       </p:sp>
@@ -3833,29 +4569,64 @@
           <a:lstStyle/>
           <a:p>
             <a:r>
-              <a:rPr lang="zh-CN" altLang="en-US" dirty="0"/>
-              <a:t>查询</a:t>
+              <a:rPr lang="en-US" altLang="zh-CN" dirty="0" smtClean="0"/>
+              <a:t>Search</a:t>
             </a:r>
             <a:endParaRPr lang="en-US" altLang="zh-CN" dirty="0"/>
           </a:p>
           <a:p>
             <a:r>
-              <a:rPr lang="zh-CN" altLang="en-US" dirty="0"/>
-              <a:t>编辑（添加，编辑，作废）</a:t>
+              <a:rPr lang="en-US" altLang="zh-CN" dirty="0" smtClean="0"/>
+              <a:t>Edit</a:t>
+            </a:r>
+            <a:r>
+              <a:rPr lang="zh-CN" altLang="en-US" dirty="0" smtClean="0"/>
+              <a:t>（</a:t>
+            </a:r>
+            <a:r>
+              <a:rPr lang="en-US" altLang="zh-CN" dirty="0" smtClean="0"/>
+              <a:t>Add</a:t>
+            </a:r>
+            <a:r>
+              <a:rPr lang="zh-CN" altLang="en-US" dirty="0" smtClean="0"/>
+              <a:t>，</a:t>
+            </a:r>
+            <a:r>
+              <a:rPr lang="en-US" altLang="zh-CN" dirty="0" smtClean="0"/>
+              <a:t>Edit</a:t>
+            </a:r>
+            <a:r>
+              <a:rPr lang="zh-CN" altLang="en-US" dirty="0" smtClean="0"/>
+              <a:t>，</a:t>
+            </a:r>
+            <a:r>
+              <a:rPr lang="en-US" altLang="zh-CN" dirty="0" smtClean="0"/>
+              <a:t>Delete</a:t>
+            </a:r>
+            <a:r>
+              <a:rPr lang="zh-CN" altLang="en-US" dirty="0" smtClean="0"/>
+              <a:t>）</a:t>
             </a:r>
             <a:endParaRPr lang="en-US" altLang="zh-CN" dirty="0"/>
           </a:p>
           <a:p>
             <a:r>
-              <a:rPr lang="zh-CN" altLang="en-US" dirty="0"/>
-              <a:t>报表</a:t>
+              <a:rPr lang="en-US" altLang="zh-CN" dirty="0" smtClean="0"/>
+              <a:t>Report</a:t>
             </a:r>
             <a:endParaRPr lang="en-US" altLang="zh-CN" dirty="0"/>
           </a:p>
           <a:p>
             <a:r>
-              <a:rPr lang="zh-CN" altLang="en-US" dirty="0"/>
-              <a:t>统计</a:t>
+              <a:rPr lang="en-US" altLang="zh-CN" dirty="0" smtClean="0"/>
+              <a:t>Statistic</a:t>
+            </a:r>
+            <a:endParaRPr lang="en-US" altLang="zh-CN" dirty="0" smtClean="0"/>
+          </a:p>
+          <a:p>
+            <a:r>
+              <a:rPr lang="en-US" altLang="zh-CN" dirty="0" smtClean="0"/>
+              <a:t>Notice</a:t>
             </a:r>
             <a:endParaRPr lang="en-US" altLang="zh-CN" dirty="0"/>
           </a:p>
@@ -3901,10 +4672,12 @@
           <a:bodyPr/>
           <a:lstStyle/>
           <a:p>
-            <a:r>
-              <a:rPr lang="zh-CN" altLang="en-US" dirty="0"/>
-              <a:t>信息流</a:t>
-            </a:r>
+            <a:pPr algn="l"/>
+            <a:r>
+              <a:rPr lang="en-US" altLang="zh-CN" dirty="0" smtClean="0"/>
+              <a:t>Basic Modules</a:t>
+            </a:r>
+            <a:endParaRPr lang="zh-CN" altLang="en-US" dirty="0"/>
           </a:p>
         </p:txBody>
       </p:sp>
@@ -3924,55 +4697,141 @@
           <a:lstStyle/>
           <a:p>
             <a:r>
-              <a:rPr lang="zh-CN" altLang="en-US" dirty="0"/>
-              <a:t>原始信息</a:t>
+              <a:rPr lang="en-US" altLang="zh-CN" dirty="0" smtClean="0"/>
+              <a:t>Order</a:t>
             </a:r>
             <a:endParaRPr lang="en-US" altLang="zh-CN" dirty="0"/>
           </a:p>
           <a:p>
             <a:r>
-              <a:rPr lang="zh-CN" altLang="en-US" dirty="0"/>
-              <a:t>上一级信息</a:t>
-            </a:r>
-            <a:r>
-              <a:rPr lang="en-US" altLang="zh-CN" dirty="0"/>
-              <a:t>+</a:t>
-            </a:r>
-            <a:r>
-              <a:rPr lang="zh-CN" altLang="en-US" dirty="0"/>
-              <a:t>本级新添加的信息</a:t>
+              <a:rPr lang="en-US" altLang="zh-CN" dirty="0" smtClean="0"/>
+              <a:t>Material</a:t>
+            </a:r>
+            <a:r>
+              <a:rPr lang="zh-CN" altLang="en-US" dirty="0" smtClean="0"/>
+              <a:t>（</a:t>
+            </a:r>
+            <a:r>
+              <a:rPr lang="en-US" altLang="zh-CN" dirty="0" err="1" smtClean="0"/>
+              <a:t>Order+Inventory</a:t>
+            </a:r>
+            <a:r>
+              <a:rPr lang="zh-CN" altLang="en-US" dirty="0" smtClean="0"/>
+              <a:t>）</a:t>
             </a:r>
             <a:endParaRPr lang="en-US" altLang="zh-CN" dirty="0"/>
           </a:p>
           <a:p>
             <a:r>
-              <a:rPr lang="zh-CN" altLang="en-US" dirty="0"/>
-              <a:t>流向下一级</a:t>
+              <a:rPr lang="en-US" altLang="zh-CN" dirty="0" smtClean="0"/>
+              <a:t>Production</a:t>
+            </a:r>
+            <a:r>
+              <a:rPr lang="zh-CN" altLang="en-US" dirty="0" smtClean="0"/>
+              <a:t>（</a:t>
+            </a:r>
+            <a:r>
+              <a:rPr lang="en-US" altLang="zh-CN" dirty="0" err="1" smtClean="0"/>
+              <a:t>Misson+Plan</a:t>
+            </a:r>
+            <a:r>
+              <a:rPr lang="zh-CN" altLang="en-US" dirty="0" smtClean="0"/>
+              <a:t>）</a:t>
             </a:r>
             <a:endParaRPr lang="en-US" altLang="zh-CN" dirty="0"/>
           </a:p>
           <a:p>
             <a:r>
-              <a:rPr lang="zh-CN" altLang="en-US" dirty="0"/>
-              <a:t>下一级再添加新的信息后流向下下一级</a:t>
+              <a:rPr lang="en-US" altLang="zh-CN" dirty="0" smtClean="0"/>
+              <a:t>Record</a:t>
+            </a:r>
+            <a:r>
+              <a:rPr lang="zh-CN" altLang="en-US" dirty="0" smtClean="0"/>
+              <a:t>（</a:t>
+            </a:r>
+            <a:r>
+              <a:rPr lang="en-US" altLang="zh-CN" dirty="0" smtClean="0"/>
+              <a:t>Milling</a:t>
+            </a:r>
+            <a:r>
+              <a:rPr lang="zh-CN" altLang="en-US" dirty="0" smtClean="0"/>
+              <a:t>，</a:t>
+            </a:r>
+            <a:r>
+              <a:rPr lang="en-US" altLang="zh-CN" dirty="0" smtClean="0"/>
+              <a:t>VHP</a:t>
+            </a:r>
+            <a:r>
+              <a:rPr lang="zh-CN" altLang="en-US" dirty="0" smtClean="0"/>
+              <a:t>，</a:t>
+            </a:r>
+            <a:r>
+              <a:rPr lang="en-US" altLang="zh-CN" dirty="0" err="1" smtClean="0"/>
+              <a:t>DeMold</a:t>
+            </a:r>
+            <a:r>
+              <a:rPr lang="zh-CN" altLang="en-US" dirty="0" smtClean="0"/>
+              <a:t>，</a:t>
+            </a:r>
+            <a:r>
+              <a:rPr lang="en-US" altLang="zh-CN" dirty="0" smtClean="0"/>
+              <a:t>Machine</a:t>
+            </a:r>
+            <a:r>
+              <a:rPr lang="zh-CN" altLang="en-US" dirty="0" smtClean="0"/>
+              <a:t>，</a:t>
+            </a:r>
+            <a:r>
+              <a:rPr lang="en-US" altLang="zh-CN" dirty="0" smtClean="0"/>
+              <a:t>Test</a:t>
+            </a:r>
+            <a:r>
+              <a:rPr lang="zh-CN" altLang="en-US" dirty="0" smtClean="0"/>
+              <a:t>，</a:t>
+            </a:r>
+            <a:r>
+              <a:rPr lang="en-US" altLang="zh-CN" dirty="0" smtClean="0"/>
+              <a:t>Bonding</a:t>
+            </a:r>
+            <a:r>
+              <a:rPr lang="zh-CN" altLang="en-US" dirty="0" smtClean="0"/>
+              <a:t>）</a:t>
             </a:r>
             <a:endParaRPr lang="en-US" altLang="zh-CN" dirty="0"/>
           </a:p>
           <a:p>
             <a:r>
-              <a:rPr lang="zh-CN" altLang="en-US" dirty="0"/>
-              <a:t>类推。</a:t>
+              <a:rPr lang="en-US" altLang="zh-CN" dirty="0" smtClean="0"/>
+              <a:t>Product</a:t>
+            </a:r>
+            <a:r>
+              <a:rPr lang="zh-CN" altLang="en-US" dirty="0" smtClean="0"/>
+              <a:t>（</a:t>
+            </a:r>
+            <a:r>
+              <a:rPr lang="en-US" altLang="zh-CN" dirty="0" err="1" smtClean="0"/>
+              <a:t>Product+</a:t>
+            </a:r>
+            <a:r>
+              <a:rPr lang="en-US" altLang="zh-CN" dirty="0" err="1" smtClean="0"/>
+              <a:t>Delivery</a:t>
+            </a:r>
+            <a:r>
+              <a:rPr lang="zh-CN" altLang="en-US" dirty="0" smtClean="0"/>
+              <a:t>）</a:t>
             </a:r>
             <a:endParaRPr lang="en-US" altLang="zh-CN" dirty="0"/>
           </a:p>
+          <a:p>
+            <a:r>
+              <a:rPr lang="en-US" altLang="zh-CN" dirty="0" smtClean="0"/>
+              <a:t>Other</a:t>
+            </a:r>
+            <a:endParaRPr lang="zh-CN" altLang="en-US" dirty="0"/>
+          </a:p>
         </p:txBody>
       </p:sp>
     </p:spTree>
-    <p:extLst>
-      <p:ext uri="{BB962C8B-B14F-4D97-AF65-F5344CB8AC3E}">
-        <p14:creationId xmlns:p14="http://schemas.microsoft.com/office/powerpoint/2010/main" val="3335386666"/>
-      </p:ext>
-    </p:extLst>
   </p:cSld>
   <p:clrMapOvr>
     <a:masterClrMapping/>
@@ -4012,10 +4871,24 @@
           <a:bodyPr/>
           <a:lstStyle/>
           <a:p>
-            <a:r>
-              <a:rPr lang="zh-CN" altLang="en-US" dirty="0"/>
-              <a:t>基本模块设计</a:t>
-            </a:r>
+            <a:pPr algn="l"/>
+            <a:r>
+              <a:rPr lang="en-US" altLang="zh-CN" dirty="0" smtClean="0"/>
+              <a:t>Support Modules</a:t>
+            </a:r>
+            <a:r>
+              <a:rPr lang="zh-CN" altLang="en-US" dirty="0" smtClean="0"/>
+              <a:t>（</a:t>
+            </a:r>
+            <a:r>
+              <a:rPr lang="en-US" altLang="zh-CN" dirty="0" smtClean="0"/>
+              <a:t>Independent</a:t>
+            </a:r>
+            <a:r>
+              <a:rPr lang="zh-CN" altLang="en-US" dirty="0" smtClean="0"/>
+              <a:t>）</a:t>
+            </a:r>
+            <a:endParaRPr lang="zh-CN" altLang="en-US" dirty="0"/>
           </a:p>
         </p:txBody>
       </p:sp>
@@ -4035,68 +4908,93 @@
           <a:lstStyle/>
           <a:p>
             <a:r>
-              <a:rPr lang="zh-CN" altLang="en-US" dirty="0"/>
-              <a:t>订单模块</a:t>
-            </a:r>
-            <a:endParaRPr lang="en-US" altLang="zh-CN" dirty="0"/>
-          </a:p>
-          <a:p>
-            <a:r>
-              <a:rPr lang="zh-CN" altLang="en-US" dirty="0"/>
-              <a:t>原料模块（原料订单</a:t>
-            </a:r>
-            <a:r>
-              <a:rPr lang="en-US" altLang="zh-CN" dirty="0"/>
-              <a:t>+</a:t>
-            </a:r>
-            <a:r>
-              <a:rPr lang="zh-CN" altLang="en-US" dirty="0"/>
-              <a:t>原料出入库）</a:t>
-            </a:r>
-            <a:endParaRPr lang="en-US" altLang="zh-CN" dirty="0"/>
-          </a:p>
-          <a:p>
-            <a:r>
-              <a:rPr lang="zh-CN" altLang="en-US" dirty="0"/>
-              <a:t>生产任务模块（原料需求</a:t>
-            </a:r>
-            <a:r>
-              <a:rPr lang="en-US" altLang="zh-CN" dirty="0"/>
-              <a:t>+</a:t>
-            </a:r>
-            <a:r>
-              <a:rPr lang="zh-CN" altLang="en-US" dirty="0"/>
-              <a:t>计划安排）</a:t>
-            </a:r>
-            <a:endParaRPr lang="en-US" altLang="zh-CN" dirty="0"/>
-          </a:p>
-          <a:p>
-            <a:r>
-              <a:rPr lang="zh-CN" altLang="en-US" dirty="0"/>
-              <a:t>记录模块（制粉记录，热压记录，取模记录，加工记录，检测记录，绑定记录）</a:t>
-            </a:r>
-            <a:endParaRPr lang="en-US" altLang="zh-CN" dirty="0"/>
-          </a:p>
-          <a:p>
-            <a:r>
-              <a:rPr lang="zh-CN" altLang="en-US" dirty="0"/>
-              <a:t>产品模块（产品库</a:t>
-            </a:r>
-            <a:r>
-              <a:rPr lang="en-US" altLang="zh-CN" dirty="0"/>
-              <a:t>+</a:t>
-            </a:r>
-            <a:r>
-              <a:rPr lang="zh-CN" altLang="en-US" dirty="0"/>
-              <a:t>发货）</a:t>
-            </a:r>
-            <a:endParaRPr lang="en-US" altLang="zh-CN" dirty="0"/>
-          </a:p>
-          <a:p>
-            <a:r>
-              <a:rPr lang="zh-CN" altLang="en-US" dirty="0"/>
-              <a:t>其他模块</a:t>
-            </a:r>
+              <a:rPr lang="en-US" altLang="zh-CN" dirty="0" smtClean="0"/>
+              <a:t>Production Large Screen</a:t>
+            </a:r>
+            <a:endParaRPr lang="en-US" altLang="zh-CN" dirty="0" smtClean="0"/>
+          </a:p>
+          <a:p>
+            <a:r>
+              <a:rPr lang="en-US" altLang="zh-CN" dirty="0" smtClean="0"/>
+              <a:t>Bonding </a:t>
+            </a:r>
+            <a:r>
+              <a:rPr lang="en-US" altLang="zh-CN" dirty="0" err="1" smtClean="0"/>
+              <a:t>Larget</a:t>
+            </a:r>
+            <a:r>
+              <a:rPr lang="en-US" altLang="zh-CN" dirty="0" smtClean="0"/>
+              <a:t> Screen</a:t>
+            </a:r>
+          </a:p>
+          <a:p>
+            <a:r>
+              <a:rPr lang="en-US" altLang="zh-CN" dirty="0" smtClean="0"/>
+              <a:t>Cast Division Client</a:t>
+            </a:r>
+            <a:r>
+              <a:rPr lang="zh-CN" altLang="en-US" dirty="0" smtClean="0"/>
+              <a:t>（</a:t>
+            </a:r>
+            <a:r>
+              <a:rPr lang="en-US" altLang="zh-CN" dirty="0" smtClean="0"/>
+              <a:t>Material </a:t>
+            </a:r>
+            <a:r>
+              <a:rPr lang="en-US" altLang="zh-CN" dirty="0" err="1" smtClean="0"/>
+              <a:t>Order+</a:t>
+            </a:r>
+            <a:r>
+              <a:rPr lang="en-US" altLang="zh-CN" dirty="0" err="1" smtClean="0"/>
+              <a:t>Material</a:t>
+            </a:r>
+            <a:r>
+              <a:rPr lang="en-US" altLang="zh-CN" dirty="0" smtClean="0"/>
+              <a:t> Inventory</a:t>
+            </a:r>
+            <a:r>
+              <a:rPr lang="zh-CN" altLang="en-US" dirty="0" smtClean="0"/>
+              <a:t>）</a:t>
+            </a:r>
+            <a:endParaRPr lang="en-US" altLang="zh-CN" dirty="0" smtClean="0"/>
+          </a:p>
+          <a:p>
+            <a:r>
+              <a:rPr lang="en-US" altLang="zh-CN" dirty="0" smtClean="0"/>
+              <a:t>Access Control(</a:t>
+            </a:r>
+            <a:r>
+              <a:rPr lang="en-US" altLang="zh-CN" dirty="0" err="1" smtClean="0"/>
+              <a:t>U</a:t>
+            </a:r>
+            <a:r>
+              <a:rPr lang="en-US" altLang="zh-CN" dirty="0" err="1" smtClean="0"/>
+              <a:t>nCompleted</a:t>
+            </a:r>
+            <a:r>
+              <a:rPr lang="en-US" altLang="zh-CN" dirty="0" smtClean="0"/>
+              <a:t>)</a:t>
+            </a:r>
+            <a:endParaRPr lang="en-US" altLang="zh-CN" dirty="0" smtClean="0"/>
+          </a:p>
+          <a:p>
+            <a:r>
+              <a:rPr lang="en-US" altLang="zh-CN" dirty="0" smtClean="0"/>
+              <a:t>Quick Scan For Product</a:t>
+            </a:r>
+            <a:r>
+              <a:rPr lang="en-US" altLang="zh-CN" dirty="0" smtClean="0"/>
+              <a:t>(</a:t>
+            </a:r>
+            <a:r>
+              <a:rPr lang="en-US" altLang="zh-CN" dirty="0" err="1" smtClean="0"/>
+              <a:t>UnCompleted</a:t>
+            </a:r>
+            <a:r>
+              <a:rPr lang="en-US" altLang="zh-CN" dirty="0" smtClean="0"/>
+              <a:t>)</a:t>
+            </a:r>
+            <a:endParaRPr lang="zh-CN" altLang="en-US" dirty="0"/>
           </a:p>
         </p:txBody>
       </p:sp>
@@ -4140,10 +5038,12 @@
           <a:bodyPr/>
           <a:lstStyle/>
           <a:p>
-            <a:r>
-              <a:rPr lang="zh-CN" altLang="en-US" dirty="0"/>
-              <a:t>权限控制设计</a:t>
-            </a:r>
+            <a:pPr algn="l"/>
+            <a:r>
+              <a:rPr lang="en-US" altLang="zh-CN" dirty="0" smtClean="0"/>
+              <a:t>Information Data Flow</a:t>
+            </a:r>
+            <a:endParaRPr lang="zh-CN" altLang="en-US" dirty="0"/>
           </a:p>
         </p:txBody>
       </p:sp>
@@ -4163,28 +5063,66 @@
           <a:lstStyle/>
           <a:p>
             <a:r>
-              <a:rPr lang="zh-CN" altLang="en-US" dirty="0"/>
-              <a:t>每个人都有自己的账号</a:t>
+              <a:rPr lang="en-US" altLang="zh-CN" dirty="0" smtClean="0"/>
+              <a:t>A=Original Data</a:t>
             </a:r>
             <a:endParaRPr lang="en-US" altLang="zh-CN" dirty="0"/>
           </a:p>
           <a:p>
             <a:r>
-              <a:rPr lang="zh-CN" altLang="en-US" dirty="0"/>
-              <a:t>权限分配针对角色</a:t>
-            </a:r>
-            <a:r>
-              <a:rPr lang="en-US" altLang="zh-CN" dirty="0"/>
-              <a:t>Role</a:t>
-            </a:r>
-            <a:r>
-              <a:rPr lang="zh-CN" altLang="en-US" dirty="0"/>
-              <a:t>进行，然后每个人分配角色，同样的角色拥有同样的权限。</a:t>
-            </a:r>
+              <a:rPr lang="en-US" altLang="zh-CN" dirty="0" smtClean="0"/>
+              <a:t>B=</a:t>
+            </a:r>
+            <a:r>
+              <a:rPr lang="en-US" altLang="zh-CN" dirty="0" err="1" smtClean="0"/>
+              <a:t>A+New</a:t>
+            </a:r>
+            <a:r>
+              <a:rPr lang="en-US" altLang="zh-CN" dirty="0" smtClean="0"/>
+              <a:t> Data</a:t>
+            </a:r>
+            <a:endParaRPr lang="en-US" altLang="zh-CN" dirty="0"/>
+          </a:p>
+          <a:p>
+            <a:r>
+              <a:rPr lang="en-US" altLang="zh-CN" dirty="0" smtClean="0"/>
+              <a:t>C=</a:t>
+            </a:r>
+            <a:r>
+              <a:rPr lang="en-US" altLang="zh-CN" dirty="0" err="1" smtClean="0"/>
+              <a:t>B+</a:t>
+            </a:r>
+            <a:r>
+              <a:rPr lang="en-US" altLang="zh-CN" dirty="0" err="1" smtClean="0"/>
+              <a:t>New</a:t>
+            </a:r>
+            <a:r>
+              <a:rPr lang="en-US" altLang="zh-CN" dirty="0" smtClean="0"/>
+              <a:t> Data</a:t>
+            </a:r>
+            <a:endParaRPr lang="en-US" altLang="zh-CN" dirty="0" smtClean="0"/>
+          </a:p>
+          <a:p>
+            <a:r>
+              <a:rPr lang="en-US" altLang="zh-CN" dirty="0" smtClean="0"/>
+              <a:t>And so on</a:t>
+            </a:r>
+          </a:p>
+          <a:p>
+            <a:r>
+              <a:rPr lang="en-US" altLang="zh-CN" dirty="0" smtClean="0"/>
+              <a:t>In every step, new data will be added to last level, and passed to next level</a:t>
+            </a:r>
+            <a:endParaRPr lang="en-US" altLang="zh-CN" dirty="0" smtClean="0"/>
           </a:p>
         </p:txBody>
       </p:sp>
     </p:spTree>
+    <p:extLst>
+      <p:ext uri="{BB962C8B-B14F-4D97-AF65-F5344CB8AC3E}">
+        <p14:creationId xmlns:p14="http://schemas.microsoft.com/office/powerpoint/2010/main" xmlns="" val="3335386666"/>
+      </p:ext>
+    </p:extLst>
   </p:cSld>
   <p:clrMapOvr>
     <a:masterClrMapping/>
@@ -4224,10 +5162,12 @@
           <a:bodyPr/>
           <a:lstStyle/>
           <a:p>
-            <a:r>
-              <a:rPr lang="zh-CN" altLang="en-US" dirty="0"/>
-              <a:t>快照系统设计</a:t>
-            </a:r>
+            <a:pPr algn="l"/>
+            <a:r>
+              <a:rPr lang="en-US" altLang="zh-CN" dirty="0" smtClean="0"/>
+              <a:t>Basic Code</a:t>
+            </a:r>
+            <a:endParaRPr lang="zh-CN" altLang="en-US" dirty="0"/>
           </a:p>
         </p:txBody>
       </p:sp>
@@ -4243,28 +5183,92 @@
         </p:nvSpPr>
         <p:spPr/>
         <p:txBody>
-          <a:bodyPr/>
-          <a:lstStyle/>
-          <a:p>
-            <a:r>
-              <a:rPr lang="zh-CN" altLang="en-US" dirty="0"/>
-              <a:t>所有更改操作都会在更改之前触发一个快照动作，将更改前的当前数据“冻结”后存入快照记录，更改一次，冻结存储一次，这个过程是服务器自动进行的，人不参与。</a:t>
-            </a:r>
-            <a:endParaRPr lang="en-US" altLang="zh-CN" dirty="0"/>
-          </a:p>
-          <a:p>
-            <a:r>
-              <a:rPr lang="zh-CN" altLang="en-US" dirty="0"/>
-              <a:t>目的防止无意更改，应对恶意更改；</a:t>
-            </a:r>
-            <a:endParaRPr lang="en-US" altLang="zh-CN" dirty="0"/>
-          </a:p>
-          <a:p>
-            <a:r>
-              <a:rPr lang="zh-CN" altLang="en-US" dirty="0"/>
-              <a:t>提供接口可以访问只读的快照记录。</a:t>
-            </a:r>
-            <a:endParaRPr lang="en-US" altLang="zh-CN" dirty="0"/>
+          <a:bodyPr>
+            <a:normAutofit fontScale="92500" lnSpcReduction="10000"/>
+          </a:bodyPr>
+          <a:lstStyle/>
+          <a:p>
+            <a:r>
+              <a:rPr lang="en-US" altLang="zh-CN" dirty="0" smtClean="0"/>
+              <a:t>Like stock code, Unique Code can be used to locate data quickly.</a:t>
+            </a:r>
+            <a:endParaRPr lang="en-US" altLang="zh-CN" dirty="0" smtClean="0"/>
+          </a:p>
+          <a:p>
+            <a:r>
+              <a:rPr lang="en-US" altLang="zh-CN" dirty="0" err="1" smtClean="0"/>
+              <a:t>PMINumber</a:t>
+            </a:r>
+            <a:r>
+              <a:rPr lang="en-US" altLang="zh-CN" dirty="0" smtClean="0"/>
+              <a:t> to Sales Order</a:t>
+            </a:r>
+            <a:endParaRPr lang="en-US" altLang="zh-CN" dirty="0" smtClean="0"/>
+          </a:p>
+          <a:p>
+            <a:r>
+              <a:rPr lang="en-US" altLang="zh-CN" dirty="0" err="1" smtClean="0"/>
+              <a:t>OrderLot</a:t>
+            </a:r>
+            <a:r>
+              <a:rPr lang="en-US" altLang="zh-CN" dirty="0" smtClean="0"/>
+              <a:t> to Material Order</a:t>
+            </a:r>
+          </a:p>
+          <a:p>
+            <a:r>
+              <a:rPr lang="en-US" altLang="zh-CN" dirty="0" err="1" smtClean="0"/>
+              <a:t>OrderItemNumber</a:t>
+            </a:r>
+            <a:r>
+              <a:rPr lang="en-US" altLang="zh-CN" dirty="0" smtClean="0"/>
+              <a:t> to Material Order Item</a:t>
+            </a:r>
+            <a:endParaRPr lang="en-US" altLang="zh-CN" dirty="0" smtClean="0"/>
+          </a:p>
+          <a:p>
+            <a:r>
+              <a:rPr lang="en-US" altLang="zh-CN" dirty="0" err="1" smtClean="0"/>
+              <a:t>PlanLot</a:t>
+            </a:r>
+            <a:r>
+              <a:rPr lang="en-US" altLang="zh-CN" dirty="0" smtClean="0"/>
+              <a:t> to VHP Plan</a:t>
+            </a:r>
+            <a:endParaRPr lang="en-US" altLang="zh-CN" dirty="0" smtClean="0"/>
+          </a:p>
+          <a:p>
+            <a:r>
+              <a:rPr lang="en-US" altLang="zh-CN" dirty="0" err="1" smtClean="0"/>
+              <a:t>PlateLot</a:t>
+            </a:r>
+            <a:r>
+              <a:rPr lang="en-US" altLang="zh-CN" dirty="0" smtClean="0"/>
+              <a:t> to Plate</a:t>
+            </a:r>
+            <a:endParaRPr lang="en-US" altLang="zh-CN" dirty="0" smtClean="0"/>
+          </a:p>
+          <a:p>
+            <a:r>
+              <a:rPr lang="en-US" altLang="zh-CN" dirty="0" err="1" smtClean="0"/>
+              <a:t>ProductID</a:t>
+            </a:r>
+            <a:r>
+              <a:rPr lang="en-US" altLang="zh-CN" dirty="0" smtClean="0"/>
+              <a:t> to Product</a:t>
+            </a:r>
+            <a:endParaRPr lang="en-US" altLang="zh-CN" dirty="0" smtClean="0"/>
+          </a:p>
+          <a:p>
+            <a:r>
+              <a:rPr lang="en-US" altLang="zh-CN" dirty="0" err="1" smtClean="0"/>
+              <a:t>DeliveryName</a:t>
+            </a:r>
+            <a:r>
+              <a:rPr lang="en-US" altLang="zh-CN" dirty="0" smtClean="0"/>
+              <a:t> to Delivery</a:t>
+            </a:r>
+            <a:endParaRPr lang="zh-CN" altLang="en-US" dirty="0"/>
           </a:p>
         </p:txBody>
       </p:sp>
